--- a/Admin/3_PEM_Formatvorlage_Abbildungen_v01.pptx
+++ b/Admin/3_PEM_Formatvorlage_Abbildungen_v01.pptx
@@ -5,6 +5,9 @@
     <p:sldMasterId id="2147483666" r:id="rId1"/>
     <p:sldMasterId id="2147483677" r:id="rId2"/>
   </p:sldMasterIdLst>
+  <p:notesMasterIdLst>
+    <p:notesMasterId r:id="rId8"/>
+  </p:notesMasterIdLst>
   <p:sldIdLst>
     <p:sldId id="258" r:id="rId3"/>
     <p:sldId id="267" r:id="rId4"/>
@@ -15,7 +18,7 @@
   <p:sldSz cx="9906000" cy="6858000" type="A4"/>
   <p:notesSz cx="6858000" cy="9144000"/>
   <p:custDataLst>
-    <p:tags r:id="rId8"/>
+    <p:tags r:id="rId9"/>
   </p:custDataLst>
   <p:defaultTextStyle>
     <a:defPPr>
@@ -131,6 +134,355 @@
 </p:presentation>
 </file>
 
+<file path=ppt/notesMasters/notesMaster1.xml><?xml version="1.0" encoding="utf-8"?>
+<p:notesMaster xmlns:a="http://schemas.openxmlformats.org/drawingml/2006/main" xmlns:r="http://schemas.openxmlformats.org/officeDocument/2006/relationships" xmlns:p="http://schemas.openxmlformats.org/presentationml/2006/main">
+  <p:cSld>
+    <p:bg>
+      <p:bgRef idx="1001">
+        <a:schemeClr val="bg1"/>
+      </p:bgRef>
+    </p:bg>
+    <p:spTree>
+      <p:nvGrpSpPr>
+        <p:cNvPr id="1" name=""/>
+        <p:cNvGrpSpPr/>
+        <p:nvPr/>
+      </p:nvGrpSpPr>
+      <p:grpSpPr>
+        <a:xfrm>
+          <a:off x="0" y="0"/>
+          <a:ext cx="0" cy="0"/>
+          <a:chOff x="0" y="0"/>
+          <a:chExt cx="0" cy="0"/>
+        </a:xfrm>
+      </p:grpSpPr>
+      <p:sp>
+        <p:nvSpPr>
+          <p:cNvPr id="2" name="Header Placeholder 1"/>
+          <p:cNvSpPr>
+            <a:spLocks noGrp="1"/>
+          </p:cNvSpPr>
+          <p:nvPr>
+            <p:ph type="hdr" sz="quarter"/>
+          </p:nvPr>
+        </p:nvSpPr>
+        <p:spPr>
+          <a:xfrm>
+            <a:off x="0" y="0"/>
+            <a:ext cx="2971800" cy="458788"/>
+          </a:xfrm>
+          <a:prstGeom prst="rect">
+            <a:avLst/>
+          </a:prstGeom>
+        </p:spPr>
+        <p:txBody>
+          <a:bodyPr vert="horz" lIns="91440" tIns="45720" rIns="91440" bIns="45720" rtlCol="0"/>
+          <a:lstStyle>
+            <a:lvl1pPr algn="l">
+              <a:defRPr sz="1200"/>
+            </a:lvl1pPr>
+          </a:lstStyle>
+          <a:p>
+            <a:endParaRPr lang="en-US"/>
+          </a:p>
+        </p:txBody>
+      </p:sp>
+      <p:sp>
+        <p:nvSpPr>
+          <p:cNvPr id="3" name="Date Placeholder 2"/>
+          <p:cNvSpPr>
+            <a:spLocks noGrp="1"/>
+          </p:cNvSpPr>
+          <p:nvPr>
+            <p:ph type="dt" idx="1"/>
+          </p:nvPr>
+        </p:nvSpPr>
+        <p:spPr>
+          <a:xfrm>
+            <a:off x="3884613" y="0"/>
+            <a:ext cx="2971800" cy="458788"/>
+          </a:xfrm>
+          <a:prstGeom prst="rect">
+            <a:avLst/>
+          </a:prstGeom>
+        </p:spPr>
+        <p:txBody>
+          <a:bodyPr vert="horz" lIns="91440" tIns="45720" rIns="91440" bIns="45720" rtlCol="0"/>
+          <a:lstStyle>
+            <a:lvl1pPr algn="r">
+              <a:defRPr sz="1200"/>
+            </a:lvl1pPr>
+          </a:lstStyle>
+          <a:p>
+            <a:fld id="{16F43465-C4FA-4C8C-A5EC-A9076F0853BC}" type="datetimeFigureOut">
+              <a:rPr lang="en-US" smtClean="0"/>
+              <a:t>5/9/2021</a:t>
+            </a:fld>
+            <a:endParaRPr lang="en-US"/>
+          </a:p>
+        </p:txBody>
+      </p:sp>
+      <p:sp>
+        <p:nvSpPr>
+          <p:cNvPr id="4" name="Slide Image Placeholder 3"/>
+          <p:cNvSpPr>
+            <a:spLocks noGrp="1" noRot="1" noChangeAspect="1"/>
+          </p:cNvSpPr>
+          <p:nvPr>
+            <p:ph type="sldImg" idx="2"/>
+          </p:nvPr>
+        </p:nvSpPr>
+        <p:spPr>
+          <a:xfrm>
+            <a:off x="1200150" y="1143000"/>
+            <a:ext cx="4457700" cy="3086100"/>
+          </a:xfrm>
+          <a:prstGeom prst="rect">
+            <a:avLst/>
+          </a:prstGeom>
+          <a:noFill/>
+          <a:ln w="12700">
+            <a:solidFill>
+              <a:prstClr val="black"/>
+            </a:solidFill>
+          </a:ln>
+        </p:spPr>
+        <p:txBody>
+          <a:bodyPr vert="horz" lIns="91440" tIns="45720" rIns="91440" bIns="45720" rtlCol="0" anchor="ctr"/>
+          <a:lstStyle/>
+          <a:p>
+            <a:endParaRPr lang="en-US"/>
+          </a:p>
+        </p:txBody>
+      </p:sp>
+      <p:sp>
+        <p:nvSpPr>
+          <p:cNvPr id="5" name="Notes Placeholder 4"/>
+          <p:cNvSpPr>
+            <a:spLocks noGrp="1"/>
+          </p:cNvSpPr>
+          <p:nvPr>
+            <p:ph type="body" sz="quarter" idx="3"/>
+          </p:nvPr>
+        </p:nvSpPr>
+        <p:spPr>
+          <a:xfrm>
+            <a:off x="685800" y="4400550"/>
+            <a:ext cx="5486400" cy="3600450"/>
+          </a:xfrm>
+          <a:prstGeom prst="rect">
+            <a:avLst/>
+          </a:prstGeom>
+        </p:spPr>
+        <p:txBody>
+          <a:bodyPr vert="horz" lIns="91440" tIns="45720" rIns="91440" bIns="45720" rtlCol="0"/>
+          <a:lstStyle/>
+          <a:p>
+            <a:pPr lvl="0"/>
+            <a:r>
+              <a:rPr lang="en-US"/>
+              <a:t>Click to edit Master text styles</a:t>
+            </a:r>
+          </a:p>
+          <a:p>
+            <a:pPr lvl="1"/>
+            <a:r>
+              <a:rPr lang="en-US"/>
+              <a:t>Second level</a:t>
+            </a:r>
+          </a:p>
+          <a:p>
+            <a:pPr lvl="2"/>
+            <a:r>
+              <a:rPr lang="en-US"/>
+              <a:t>Third level</a:t>
+            </a:r>
+          </a:p>
+          <a:p>
+            <a:pPr lvl="3"/>
+            <a:r>
+              <a:rPr lang="en-US"/>
+              <a:t>Fourth level</a:t>
+            </a:r>
+          </a:p>
+          <a:p>
+            <a:pPr lvl="4"/>
+            <a:r>
+              <a:rPr lang="en-US"/>
+              <a:t>Fifth level</a:t>
+            </a:r>
+          </a:p>
+        </p:txBody>
+      </p:sp>
+      <p:sp>
+        <p:nvSpPr>
+          <p:cNvPr id="6" name="Footer Placeholder 5"/>
+          <p:cNvSpPr>
+            <a:spLocks noGrp="1"/>
+          </p:cNvSpPr>
+          <p:nvPr>
+            <p:ph type="ftr" sz="quarter" idx="4"/>
+          </p:nvPr>
+        </p:nvSpPr>
+        <p:spPr>
+          <a:xfrm>
+            <a:off x="0" y="8685213"/>
+            <a:ext cx="2971800" cy="458787"/>
+          </a:xfrm>
+          <a:prstGeom prst="rect">
+            <a:avLst/>
+          </a:prstGeom>
+        </p:spPr>
+        <p:txBody>
+          <a:bodyPr vert="horz" lIns="91440" tIns="45720" rIns="91440" bIns="45720" rtlCol="0" anchor="b"/>
+          <a:lstStyle>
+            <a:lvl1pPr algn="l">
+              <a:defRPr sz="1200"/>
+            </a:lvl1pPr>
+          </a:lstStyle>
+          <a:p>
+            <a:endParaRPr lang="en-US"/>
+          </a:p>
+        </p:txBody>
+      </p:sp>
+      <p:sp>
+        <p:nvSpPr>
+          <p:cNvPr id="7" name="Slide Number Placeholder 6"/>
+          <p:cNvSpPr>
+            <a:spLocks noGrp="1"/>
+          </p:cNvSpPr>
+          <p:nvPr>
+            <p:ph type="sldNum" sz="quarter" idx="5"/>
+          </p:nvPr>
+        </p:nvSpPr>
+        <p:spPr>
+          <a:xfrm>
+            <a:off x="3884613" y="8685213"/>
+            <a:ext cx="2971800" cy="458787"/>
+          </a:xfrm>
+          <a:prstGeom prst="rect">
+            <a:avLst/>
+          </a:prstGeom>
+        </p:spPr>
+        <p:txBody>
+          <a:bodyPr vert="horz" lIns="91440" tIns="45720" rIns="91440" bIns="45720" rtlCol="0" anchor="b"/>
+          <a:lstStyle>
+            <a:lvl1pPr algn="r">
+              <a:defRPr sz="1200"/>
+            </a:lvl1pPr>
+          </a:lstStyle>
+          <a:p>
+            <a:fld id="{DA492ABE-1E93-4698-9BA0-FD5E5E2746E7}" type="slidenum">
+              <a:rPr lang="en-US" smtClean="0"/>
+              <a:t>‹#›</a:t>
+            </a:fld>
+            <a:endParaRPr lang="en-US"/>
+          </a:p>
+        </p:txBody>
+      </p:sp>
+    </p:spTree>
+    <p:extLst>
+      <p:ext uri="{BB962C8B-B14F-4D97-AF65-F5344CB8AC3E}">
+        <p14:creationId xmlns:p14="http://schemas.microsoft.com/office/powerpoint/2010/main" val="1406923996"/>
+      </p:ext>
+    </p:extLst>
+  </p:cSld>
+  <p:clrMap bg1="lt1" tx1="dk1" bg2="lt2" tx2="dk2" accent1="accent1" accent2="accent2" accent3="accent3" accent4="accent4" accent5="accent5" accent6="accent6" hlink="hlink" folHlink="folHlink"/>
+  <p:notesStyle>
+    <a:lvl1pPr marL="0" algn="l" defTabSz="914400" rtl="0" eaLnBrk="1" latinLnBrk="0" hangingPunct="1">
+      <a:defRPr sz="1200" kern="1200">
+        <a:solidFill>
+          <a:schemeClr val="tx1"/>
+        </a:solidFill>
+        <a:latin typeface="+mn-lt"/>
+        <a:ea typeface="+mn-ea"/>
+        <a:cs typeface="+mn-cs"/>
+      </a:defRPr>
+    </a:lvl1pPr>
+    <a:lvl2pPr marL="457200" algn="l" defTabSz="914400" rtl="0" eaLnBrk="1" latinLnBrk="0" hangingPunct="1">
+      <a:defRPr sz="1200" kern="1200">
+        <a:solidFill>
+          <a:schemeClr val="tx1"/>
+        </a:solidFill>
+        <a:latin typeface="+mn-lt"/>
+        <a:ea typeface="+mn-ea"/>
+        <a:cs typeface="+mn-cs"/>
+      </a:defRPr>
+    </a:lvl2pPr>
+    <a:lvl3pPr marL="914400" algn="l" defTabSz="914400" rtl="0" eaLnBrk="1" latinLnBrk="0" hangingPunct="1">
+      <a:defRPr sz="1200" kern="1200">
+        <a:solidFill>
+          <a:schemeClr val="tx1"/>
+        </a:solidFill>
+        <a:latin typeface="+mn-lt"/>
+        <a:ea typeface="+mn-ea"/>
+        <a:cs typeface="+mn-cs"/>
+      </a:defRPr>
+    </a:lvl3pPr>
+    <a:lvl4pPr marL="1371600" algn="l" defTabSz="914400" rtl="0" eaLnBrk="1" latinLnBrk="0" hangingPunct="1">
+      <a:defRPr sz="1200" kern="1200">
+        <a:solidFill>
+          <a:schemeClr val="tx1"/>
+        </a:solidFill>
+        <a:latin typeface="+mn-lt"/>
+        <a:ea typeface="+mn-ea"/>
+        <a:cs typeface="+mn-cs"/>
+      </a:defRPr>
+    </a:lvl4pPr>
+    <a:lvl5pPr marL="1828800" algn="l" defTabSz="914400" rtl="0" eaLnBrk="1" latinLnBrk="0" hangingPunct="1">
+      <a:defRPr sz="1200" kern="1200">
+        <a:solidFill>
+          <a:schemeClr val="tx1"/>
+        </a:solidFill>
+        <a:latin typeface="+mn-lt"/>
+        <a:ea typeface="+mn-ea"/>
+        <a:cs typeface="+mn-cs"/>
+      </a:defRPr>
+    </a:lvl5pPr>
+    <a:lvl6pPr marL="2286000" algn="l" defTabSz="914400" rtl="0" eaLnBrk="1" latinLnBrk="0" hangingPunct="1">
+      <a:defRPr sz="1200" kern="1200">
+        <a:solidFill>
+          <a:schemeClr val="tx1"/>
+        </a:solidFill>
+        <a:latin typeface="+mn-lt"/>
+        <a:ea typeface="+mn-ea"/>
+        <a:cs typeface="+mn-cs"/>
+      </a:defRPr>
+    </a:lvl6pPr>
+    <a:lvl7pPr marL="2743200" algn="l" defTabSz="914400" rtl="0" eaLnBrk="1" latinLnBrk="0" hangingPunct="1">
+      <a:defRPr sz="1200" kern="1200">
+        <a:solidFill>
+          <a:schemeClr val="tx1"/>
+        </a:solidFill>
+        <a:latin typeface="+mn-lt"/>
+        <a:ea typeface="+mn-ea"/>
+        <a:cs typeface="+mn-cs"/>
+      </a:defRPr>
+    </a:lvl7pPr>
+    <a:lvl8pPr marL="3200400" algn="l" defTabSz="914400" rtl="0" eaLnBrk="1" latinLnBrk="0" hangingPunct="1">
+      <a:defRPr sz="1200" kern="1200">
+        <a:solidFill>
+          <a:schemeClr val="tx1"/>
+        </a:solidFill>
+        <a:latin typeface="+mn-lt"/>
+        <a:ea typeface="+mn-ea"/>
+        <a:cs typeface="+mn-cs"/>
+      </a:defRPr>
+    </a:lvl8pPr>
+    <a:lvl9pPr marL="3657600" algn="l" defTabSz="914400" rtl="0" eaLnBrk="1" latinLnBrk="0" hangingPunct="1">
+      <a:defRPr sz="1200" kern="1200">
+        <a:solidFill>
+          <a:schemeClr val="tx1"/>
+        </a:solidFill>
+        <a:latin typeface="+mn-lt"/>
+        <a:ea typeface="+mn-ea"/>
+        <a:cs typeface="+mn-cs"/>
+      </a:defRPr>
+    </a:lvl9pPr>
+  </p:notesStyle>
+</p:notesMaster>
+</file>
+
 <file path=ppt/slideLayouts/slideLayout1.xml><?xml version="1.0" encoding="utf-8"?>
 <p:sldLayout xmlns:a="http://schemas.openxmlformats.org/drawingml/2006/main" xmlns:r="http://schemas.openxmlformats.org/officeDocument/2006/relationships" xmlns:p="http://schemas.openxmlformats.org/presentationml/2006/main" showMasterSp="0" preserve="1">
   <p:cSld name="Titel_1/3 Farbe">
@@ -242,7 +594,7 @@
           </a:lstStyle>
           <a:p>
             <a:r>
-              <a:rPr lang="de-DE" smtClean="0"/>
+              <a:rPr lang="de-DE"/>
               <a:t>Titelmasterformat durch Klicken bearbeiten</a:t>
             </a:r>
             <a:endParaRPr lang="en-US" dirty="0"/>
@@ -317,7 +669,7 @@
           </a:lstStyle>
           <a:p>
             <a:r>
-              <a:rPr lang="de-DE" smtClean="0"/>
+              <a:rPr lang="de-DE"/>
               <a:t>Formatvorlage des Untertitelmasters durch Klicken bearbeiten</a:t>
             </a:r>
             <a:endParaRPr lang="en-US" dirty="0"/>
@@ -375,21 +727,6 @@
   <p:clrMapOvr>
     <a:masterClrMapping/>
   </p:clrMapOvr>
-  <mc:AlternateContent xmlns:mc="http://schemas.openxmlformats.org/markup-compatibility/2006" xmlns:p14="http://schemas.microsoft.com/office/powerpoint/2010/main">
-    <mc:Choice Requires="p14">
-      <p:transition p14:dur="0"/>
-    </mc:Choice>
-    <mc:Fallback xmlns="">
-      <p:transition/>
-    </mc:Fallback>
-  </mc:AlternateContent>
-  <p:timing>
-    <p:tnLst>
-      <p:par>
-        <p:cTn id="1" dur="indefinite" restart="never" nodeType="tmRoot"/>
-      </p:par>
-    </p:tnLst>
-  </p:timing>
 </p:sldLayout>
 </file>
 
@@ -436,7 +773,7 @@
           <a:p>
             <a:pPr lvl="0"/>
             <a:r>
-              <a:rPr lang="de-DE" noProof="0" smtClean="0"/>
+              <a:rPr lang="de-DE" noProof="0"/>
               <a:t>Titelmasterformat durch Klicken bearbeiten</a:t>
             </a:r>
           </a:p>
@@ -482,7 +819,7 @@
           <a:p>
             <a:pPr lvl="0"/>
             <a:r>
-              <a:rPr lang="de-DE" noProof="0" smtClean="0"/>
+              <a:rPr lang="de-DE" noProof="0"/>
               <a:t>Formatvorlage des Untertitelmasters durch Klicken bearbeiten</a:t>
             </a:r>
           </a:p>
@@ -493,13 +830,6 @@
   <p:clrMapOvr>
     <a:masterClrMapping/>
   </p:clrMapOvr>
-  <p:timing>
-    <p:tnLst>
-      <p:par>
-        <p:cTn id="1" dur="indefinite" restart="never" nodeType="tmRoot"/>
-      </p:par>
-    </p:tnLst>
-  </p:timing>
 </p:sldLayout>
 </file>
 
@@ -728,7 +1058,7 @@
           </a:lstStyle>
           <a:p>
             <a:r>
-              <a:rPr lang="de-DE" smtClean="0"/>
+              <a:rPr lang="de-DE"/>
               <a:t>Titelmasterformat durch Klicken bearbeiten</a:t>
             </a:r>
             <a:endParaRPr lang="en-US" dirty="0"/>
@@ -803,7 +1133,7 @@
           </a:lstStyle>
           <a:p>
             <a:r>
-              <a:rPr lang="de-DE" smtClean="0"/>
+              <a:rPr lang="de-DE"/>
               <a:t>Formatvorlage des Untertitelmasters durch Klicken bearbeiten</a:t>
             </a:r>
             <a:endParaRPr lang="en-US" dirty="0"/>
@@ -855,21 +1185,6 @@
   <p:clrMapOvr>
     <a:masterClrMapping/>
   </p:clrMapOvr>
-  <mc:AlternateContent xmlns:mc="http://schemas.openxmlformats.org/markup-compatibility/2006" xmlns:p14="http://schemas.microsoft.com/office/powerpoint/2010/main">
-    <mc:Choice Requires="p14">
-      <p:transition p14:dur="0"/>
-    </mc:Choice>
-    <mc:Fallback xmlns="">
-      <p:transition/>
-    </mc:Fallback>
-  </mc:AlternateContent>
-  <p:timing>
-    <p:tnLst>
-      <p:par>
-        <p:cTn id="1" dur="indefinite" restart="never" nodeType="tmRoot"/>
-      </p:par>
-    </p:tnLst>
-  </p:timing>
 </p:sldLayout>
 </file>
 
@@ -980,7 +1295,7 @@
           </a:lstStyle>
           <a:p>
             <a:r>
-              <a:rPr lang="de-DE" smtClean="0"/>
+              <a:rPr lang="de-DE"/>
               <a:t>Titelmasterformat durch Klicken bearbeiten</a:t>
             </a:r>
             <a:endParaRPr lang="en-US" dirty="0"/>
@@ -1055,7 +1370,7 @@
           </a:lstStyle>
           <a:p>
             <a:r>
-              <a:rPr lang="de-DE" smtClean="0"/>
+              <a:rPr lang="de-DE"/>
               <a:t>Formatvorlage des Untertitelmasters durch Klicken bearbeiten</a:t>
             </a:r>
             <a:endParaRPr lang="en-US" dirty="0"/>
@@ -1146,21 +1461,6 @@
   <p:clrMapOvr>
     <a:masterClrMapping/>
   </p:clrMapOvr>
-  <mc:AlternateContent xmlns:mc="http://schemas.openxmlformats.org/markup-compatibility/2006" xmlns:p14="http://schemas.microsoft.com/office/powerpoint/2010/main">
-    <mc:Choice Requires="p14">
-      <p:transition p14:dur="0"/>
-    </mc:Choice>
-    <mc:Fallback xmlns="">
-      <p:transition/>
-    </mc:Fallback>
-  </mc:AlternateContent>
-  <p:timing>
-    <p:tnLst>
-      <p:par>
-        <p:cTn id="1" dur="indefinite" restart="never" nodeType="tmRoot"/>
-      </p:par>
-    </p:tnLst>
-  </p:timing>
 </p:sldLayout>
 </file>
 
@@ -1249,7 +1549,7 @@
           <a:p>
             <a:pPr lvl="0" eaLnBrk="0" hangingPunct="0"/>
             <a:r>
-              <a:rPr lang="de-DE" smtClean="0"/>
+              <a:rPr lang="de-DE"/>
               <a:t>Textmasterformat bearbeiten</a:t>
             </a:r>
           </a:p>
@@ -1305,28 +1605,28 @@
           <a:p>
             <a:pPr lvl="0"/>
             <a:r>
-              <a:rPr lang="de-DE" smtClean="0"/>
+              <a:rPr lang="de-DE"/>
               <a:t>Textmasterformat bearbeiten</a:t>
             </a:r>
           </a:p>
           <a:p>
             <a:pPr lvl="1"/>
             <a:r>
-              <a:rPr lang="de-DE" smtClean="0"/>
+              <a:rPr lang="de-DE"/>
               <a:t>Zweite Ebene</a:t>
             </a:r>
           </a:p>
           <a:p>
             <a:pPr lvl="2"/>
             <a:r>
-              <a:rPr lang="de-DE" smtClean="0"/>
+              <a:rPr lang="de-DE"/>
               <a:t>Dritte Ebene</a:t>
             </a:r>
           </a:p>
           <a:p>
             <a:pPr lvl="3"/>
             <a:r>
-              <a:rPr lang="de-DE" smtClean="0"/>
+              <a:rPr lang="de-DE"/>
               <a:t>Vierte Ebene</a:t>
             </a:r>
           </a:p>
@@ -1359,7 +1659,7 @@
           <a:p>
             <a:pPr lvl="0"/>
             <a:r>
-              <a:rPr lang="de-DE" smtClean="0"/>
+              <a:rPr lang="de-DE"/>
               <a:t>Titelmasterformat durch Klicken bearbeiten</a:t>
             </a:r>
             <a:endParaRPr lang="de-DE" dirty="0"/>
@@ -1376,22 +1676,7 @@
   <p:clrMapOvr>
     <a:masterClrMapping/>
   </p:clrMapOvr>
-  <mc:AlternateContent xmlns:mc="http://schemas.openxmlformats.org/markup-compatibility/2006" xmlns:p14="http://schemas.microsoft.com/office/powerpoint/2010/main">
-    <mc:Choice Requires="p14">
-      <p:transition p14:dur="0"/>
-    </mc:Choice>
-    <mc:Fallback xmlns="">
-      <p:transition/>
-    </mc:Fallback>
-  </mc:AlternateContent>
-  <p:timing>
-    <p:tnLst>
-      <p:par>
-        <p:cTn id="1" dur="indefinite" restart="never" nodeType="tmRoot"/>
-      </p:par>
-    </p:tnLst>
-  </p:timing>
-  <p:extLst mod="1">
+  <p:extLst>
     <p:ext uri="{DCECCB84-F9BA-43D5-87BE-67443E8EF086}">
       <p15:sldGuideLst xmlns:p15="http://schemas.microsoft.com/office/powerpoint/2012/main">
         <p15:guide id="1" orient="horz" pos="3672" userDrawn="1">
@@ -1520,7 +1805,7 @@
           <a:p>
             <a:pPr lvl="0" eaLnBrk="0" hangingPunct="0"/>
             <a:r>
-              <a:rPr lang="de-DE" smtClean="0"/>
+              <a:rPr lang="de-DE"/>
               <a:t>Textmasterformat bearbeiten</a:t>
             </a:r>
           </a:p>
@@ -1553,7 +1838,7 @@
           <a:p>
             <a:pPr lvl="0"/>
             <a:r>
-              <a:rPr lang="de-DE" smtClean="0"/>
+              <a:rPr lang="de-DE"/>
               <a:t>Titelmasterformat durch Klicken bearbeiten</a:t>
             </a:r>
             <a:endParaRPr lang="de-DE" dirty="0"/>
@@ -1570,22 +1855,7 @@
   <p:clrMapOvr>
     <a:masterClrMapping/>
   </p:clrMapOvr>
-  <mc:AlternateContent xmlns:mc="http://schemas.openxmlformats.org/markup-compatibility/2006" xmlns:p14="http://schemas.microsoft.com/office/powerpoint/2010/main">
-    <mc:Choice Requires="p14">
-      <p:transition p14:dur="0"/>
-    </mc:Choice>
-    <mc:Fallback xmlns="">
-      <p:transition/>
-    </mc:Fallback>
-  </mc:AlternateContent>
-  <p:timing>
-    <p:tnLst>
-      <p:par>
-        <p:cTn id="1" dur="indefinite" restart="never" nodeType="tmRoot"/>
-      </p:par>
-    </p:tnLst>
-  </p:timing>
-  <p:extLst mod="1">
+  <p:extLst>
     <p:ext uri="{DCECCB84-F9BA-43D5-87BE-67443E8EF086}">
       <p15:sldGuideLst xmlns:p15="http://schemas.microsoft.com/office/powerpoint/2012/main">
         <p15:guide id="1" orient="horz" pos="2160">
@@ -1671,28 +1941,28 @@
           <a:p>
             <a:pPr lvl="0"/>
             <a:r>
-              <a:rPr lang="de-DE" smtClean="0"/>
+              <a:rPr lang="de-DE"/>
               <a:t>Textmasterformat bearbeiten</a:t>
             </a:r>
           </a:p>
           <a:p>
             <a:pPr lvl="1"/>
             <a:r>
-              <a:rPr lang="de-DE" smtClean="0"/>
+              <a:rPr lang="de-DE"/>
               <a:t>Zweite Ebene</a:t>
             </a:r>
           </a:p>
           <a:p>
             <a:pPr lvl="2"/>
             <a:r>
-              <a:rPr lang="de-DE" smtClean="0"/>
+              <a:rPr lang="de-DE"/>
               <a:t>Dritte Ebene</a:t>
             </a:r>
           </a:p>
           <a:p>
             <a:pPr lvl="3"/>
             <a:r>
-              <a:rPr lang="de-DE" smtClean="0"/>
+              <a:rPr lang="de-DE"/>
               <a:t>Vierte Ebene</a:t>
             </a:r>
           </a:p>
@@ -1748,28 +2018,28 @@
           <a:p>
             <a:pPr lvl="0"/>
             <a:r>
-              <a:rPr lang="de-DE" smtClean="0"/>
+              <a:rPr lang="de-DE"/>
               <a:t>Textmasterformat bearbeiten</a:t>
             </a:r>
           </a:p>
           <a:p>
             <a:pPr lvl="1"/>
             <a:r>
-              <a:rPr lang="de-DE" smtClean="0"/>
+              <a:rPr lang="de-DE"/>
               <a:t>Zweite Ebene</a:t>
             </a:r>
           </a:p>
           <a:p>
             <a:pPr lvl="2"/>
             <a:r>
-              <a:rPr lang="de-DE" smtClean="0"/>
+              <a:rPr lang="de-DE"/>
               <a:t>Dritte Ebene</a:t>
             </a:r>
           </a:p>
           <a:p>
             <a:pPr lvl="3"/>
             <a:r>
-              <a:rPr lang="de-DE" smtClean="0"/>
+              <a:rPr lang="de-DE"/>
               <a:t>Vierte Ebene</a:t>
             </a:r>
           </a:p>
@@ -1825,28 +2095,28 @@
           <a:p>
             <a:pPr lvl="0"/>
             <a:r>
-              <a:rPr lang="de-DE" smtClean="0"/>
+              <a:rPr lang="de-DE"/>
               <a:t>Textmasterformat bearbeiten</a:t>
             </a:r>
           </a:p>
           <a:p>
             <a:pPr lvl="1"/>
             <a:r>
-              <a:rPr lang="de-DE" smtClean="0"/>
+              <a:rPr lang="de-DE"/>
               <a:t>Zweite Ebene</a:t>
             </a:r>
           </a:p>
           <a:p>
             <a:pPr lvl="2"/>
             <a:r>
-              <a:rPr lang="de-DE" smtClean="0"/>
+              <a:rPr lang="de-DE"/>
               <a:t>Dritte Ebene</a:t>
             </a:r>
           </a:p>
           <a:p>
             <a:pPr lvl="3"/>
             <a:r>
-              <a:rPr lang="de-DE" smtClean="0"/>
+              <a:rPr lang="de-DE"/>
               <a:t>Vierte Ebene</a:t>
             </a:r>
           </a:p>
@@ -1879,7 +2149,7 @@
           <a:p>
             <a:pPr lvl="0"/>
             <a:r>
-              <a:rPr lang="de-DE" smtClean="0"/>
+              <a:rPr lang="de-DE"/>
               <a:t>Titelmasterformat durch Klicken bearbeiten</a:t>
             </a:r>
             <a:endParaRPr lang="de-DE" dirty="0"/>
@@ -1954,7 +2224,7 @@
           <a:p>
             <a:pPr lvl="0" eaLnBrk="0" hangingPunct="0"/>
             <a:r>
-              <a:rPr lang="de-DE" smtClean="0"/>
+              <a:rPr lang="de-DE"/>
               <a:t>Textmasterformat bearbeiten</a:t>
             </a:r>
           </a:p>
@@ -1970,21 +2240,6 @@
   <p:clrMapOvr>
     <a:masterClrMapping/>
   </p:clrMapOvr>
-  <mc:AlternateContent xmlns:mc="http://schemas.openxmlformats.org/markup-compatibility/2006" xmlns:p14="http://schemas.microsoft.com/office/powerpoint/2010/main">
-    <mc:Choice Requires="p14">
-      <p:transition p14:dur="0"/>
-    </mc:Choice>
-    <mc:Fallback xmlns="">
-      <p:transition/>
-    </mc:Fallback>
-  </mc:AlternateContent>
-  <p:timing>
-    <p:tnLst>
-      <p:par>
-        <p:cTn id="1" dur="indefinite" restart="never" nodeType="tmRoot"/>
-      </p:par>
-    </p:tnLst>
-  </p:timing>
 </p:sldLayout>
 </file>
 
@@ -2061,35 +2316,35 @@
           <a:p>
             <a:pPr lvl="0"/>
             <a:r>
-              <a:rPr lang="de-DE" smtClean="0"/>
+              <a:rPr lang="de-DE"/>
               <a:t>Textmasterformat bearbeiten</a:t>
             </a:r>
           </a:p>
           <a:p>
             <a:pPr lvl="1"/>
             <a:r>
-              <a:rPr lang="de-DE" smtClean="0"/>
+              <a:rPr lang="de-DE"/>
               <a:t>Zweite Ebene</a:t>
             </a:r>
           </a:p>
           <a:p>
             <a:pPr lvl="2"/>
             <a:r>
-              <a:rPr lang="de-DE" smtClean="0"/>
+              <a:rPr lang="de-DE"/>
               <a:t>Dritte Ebene</a:t>
             </a:r>
           </a:p>
           <a:p>
             <a:pPr lvl="3"/>
             <a:r>
-              <a:rPr lang="de-DE" smtClean="0"/>
+              <a:rPr lang="de-DE"/>
               <a:t>Vierte Ebene</a:t>
             </a:r>
           </a:p>
           <a:p>
             <a:pPr lvl="4"/>
             <a:r>
-              <a:rPr lang="de-DE" smtClean="0"/>
+              <a:rPr lang="de-DE"/>
               <a:t>Fünfte Ebene</a:t>
             </a:r>
             <a:endParaRPr lang="de-DE" dirty="0"/>
@@ -2123,7 +2378,7 @@
           <a:p>
             <a:pPr lvl="0"/>
             <a:r>
-              <a:rPr lang="de-DE" smtClean="0"/>
+              <a:rPr lang="de-DE"/>
               <a:t>Titelmasterformat durch Klicken bearbeiten</a:t>
             </a:r>
             <a:endParaRPr lang="de-DE" dirty="0"/>
@@ -2140,21 +2395,6 @@
   <p:clrMapOvr>
     <a:masterClrMapping/>
   </p:clrMapOvr>
-  <mc:AlternateContent xmlns:mc="http://schemas.openxmlformats.org/markup-compatibility/2006" xmlns:p14="http://schemas.microsoft.com/office/powerpoint/2010/main">
-    <mc:Choice Requires="p14">
-      <p:transition p14:dur="0"/>
-    </mc:Choice>
-    <mc:Fallback xmlns="">
-      <p:transition/>
-    </mc:Fallback>
-  </mc:AlternateContent>
-  <p:timing>
-    <p:tnLst>
-      <p:par>
-        <p:cTn id="1" dur="indefinite" restart="never" nodeType="tmRoot"/>
-      </p:par>
-    </p:tnLst>
-  </p:timing>
 </p:sldLayout>
 </file>
 
@@ -2231,35 +2471,35 @@
           <a:p>
             <a:pPr lvl="0"/>
             <a:r>
-              <a:rPr lang="de-DE" smtClean="0"/>
+              <a:rPr lang="de-DE"/>
               <a:t>Textmasterformat bearbeiten</a:t>
             </a:r>
           </a:p>
           <a:p>
             <a:pPr lvl="1"/>
             <a:r>
-              <a:rPr lang="de-DE" smtClean="0"/>
+              <a:rPr lang="de-DE"/>
               <a:t>Zweite Ebene</a:t>
             </a:r>
           </a:p>
           <a:p>
             <a:pPr lvl="2"/>
             <a:r>
-              <a:rPr lang="de-DE" smtClean="0"/>
+              <a:rPr lang="de-DE"/>
               <a:t>Dritte Ebene</a:t>
             </a:r>
           </a:p>
           <a:p>
             <a:pPr lvl="3"/>
             <a:r>
-              <a:rPr lang="de-DE" smtClean="0"/>
+              <a:rPr lang="de-DE"/>
               <a:t>Vierte Ebene</a:t>
             </a:r>
           </a:p>
           <a:p>
             <a:pPr lvl="4"/>
             <a:r>
-              <a:rPr lang="de-DE" smtClean="0"/>
+              <a:rPr lang="de-DE"/>
               <a:t>Fünfte Ebene</a:t>
             </a:r>
             <a:endParaRPr lang="de-DE" dirty="0"/>
@@ -2345,7 +2585,7 @@
           <a:p>
             <a:pPr lvl="0"/>
             <a:r>
-              <a:rPr lang="de-DE" dirty="0" smtClean="0"/>
+              <a:rPr lang="de-DE" dirty="0"/>
               <a:t>Textmasterformat bearbeiten</a:t>
             </a:r>
           </a:p>
@@ -2375,10 +2615,9 @@
           <a:lstStyle/>
           <a:p>
             <a:r>
-              <a:rPr lang="de-DE" smtClean="0"/>
+              <a:rPr lang="de-DE"/>
               <a:t>Bild durch Klicken auf Symbol hinzufügen</a:t>
             </a:r>
-            <a:endParaRPr lang="de-DE"/>
           </a:p>
         </p:txBody>
       </p:sp>
@@ -2409,7 +2648,7 @@
           <a:p>
             <a:pPr lvl="0"/>
             <a:r>
-              <a:rPr lang="de-DE" smtClean="0"/>
+              <a:rPr lang="de-DE"/>
               <a:t>Titelmasterformat durch Klicken bearbeiten</a:t>
             </a:r>
             <a:endParaRPr lang="de-DE" dirty="0"/>
@@ -2426,21 +2665,6 @@
   <p:clrMapOvr>
     <a:masterClrMapping/>
   </p:clrMapOvr>
-  <mc:AlternateContent xmlns:mc="http://schemas.openxmlformats.org/markup-compatibility/2006" xmlns:p14="http://schemas.microsoft.com/office/powerpoint/2010/main">
-    <mc:Choice Requires="p14">
-      <p:transition p14:dur="0"/>
-    </mc:Choice>
-    <mc:Fallback xmlns="">
-      <p:transition/>
-    </mc:Fallback>
-  </mc:AlternateContent>
-  <p:timing>
-    <p:tnLst>
-      <p:par>
-        <p:cTn id="1" dur="indefinite" restart="never" nodeType="tmRoot"/>
-      </p:par>
-    </p:tnLst>
-  </p:timing>
 </p:sldLayout>
 </file>
 
@@ -2477,10 +2701,9 @@
           <a:lstStyle/>
           <a:p>
             <a:r>
-              <a:rPr lang="de-DE" smtClean="0"/>
+              <a:rPr lang="de-DE"/>
               <a:t>Titelmasterformat durch Klicken bearbeiten</a:t>
             </a:r>
-            <a:endParaRPr lang="de-DE"/>
           </a:p>
         </p:txBody>
       </p:sp>
@@ -2501,35 +2724,35 @@
           <a:p>
             <a:pPr lvl="0"/>
             <a:r>
-              <a:rPr lang="de-DE" smtClean="0"/>
+              <a:rPr lang="de-DE"/>
               <a:t>Textmasterformat bearbeiten</a:t>
             </a:r>
           </a:p>
           <a:p>
             <a:pPr lvl="1"/>
             <a:r>
-              <a:rPr lang="de-DE" smtClean="0"/>
+              <a:rPr lang="de-DE"/>
               <a:t>Zweite Ebene</a:t>
             </a:r>
           </a:p>
           <a:p>
             <a:pPr lvl="2"/>
             <a:r>
-              <a:rPr lang="de-DE" smtClean="0"/>
+              <a:rPr lang="de-DE"/>
               <a:t>Dritte Ebene</a:t>
             </a:r>
           </a:p>
           <a:p>
             <a:pPr lvl="3"/>
             <a:r>
-              <a:rPr lang="de-DE" smtClean="0"/>
+              <a:rPr lang="de-DE"/>
               <a:t>Vierte Ebene</a:t>
             </a:r>
           </a:p>
           <a:p>
             <a:pPr lvl="4"/>
             <a:r>
-              <a:rPr lang="de-DE" smtClean="0"/>
+              <a:rPr lang="de-DE"/>
               <a:t>Fünfte Ebene</a:t>
             </a:r>
             <a:endParaRPr lang="de-DE" dirty="0"/>
@@ -2546,21 +2769,6 @@
   <p:clrMapOvr>
     <a:masterClrMapping/>
   </p:clrMapOvr>
-  <mc:AlternateContent xmlns:mc="http://schemas.openxmlformats.org/markup-compatibility/2006" xmlns:p14="http://schemas.microsoft.com/office/powerpoint/2010/main">
-    <mc:Choice Requires="p14">
-      <p:transition p14:dur="0"/>
-    </mc:Choice>
-    <mc:Fallback xmlns="">
-      <p:transition/>
-    </mc:Fallback>
-  </mc:AlternateContent>
-  <p:timing>
-    <p:tnLst>
-      <p:par>
-        <p:cTn id="1" dur="indefinite" restart="never" nodeType="tmRoot"/>
-      </p:par>
-    </p:tnLst>
-  </p:timing>
 </p:sldLayout>
 </file>
 
@@ -2671,7 +2879,7 @@
           </a:lstStyle>
           <a:p>
             <a:r>
-              <a:rPr lang="de-DE" smtClean="0"/>
+              <a:rPr lang="de-DE"/>
               <a:t>Titelmasterformat durch Klicken bearbeiten</a:t>
             </a:r>
             <a:endParaRPr lang="en-US" dirty="0"/>
@@ -2746,7 +2954,7 @@
           </a:lstStyle>
           <a:p>
             <a:r>
-              <a:rPr lang="de-DE" smtClean="0"/>
+              <a:rPr lang="de-DE"/>
               <a:t>Formatvorlage des Untertitelmasters durch Klicken bearbeiten</a:t>
             </a:r>
             <a:endParaRPr lang="en-US" dirty="0"/>
@@ -2843,21 +3051,6 @@
   <p:clrMapOvr>
     <a:masterClrMapping/>
   </p:clrMapOvr>
-  <mc:AlternateContent xmlns:mc="http://schemas.openxmlformats.org/markup-compatibility/2006" xmlns:p14="http://schemas.microsoft.com/office/powerpoint/2010/main">
-    <mc:Choice Requires="p14">
-      <p:transition p14:dur="0"/>
-    </mc:Choice>
-    <mc:Fallback xmlns="">
-      <p:transition/>
-    </mc:Fallback>
-  </mc:AlternateContent>
-  <p:timing>
-    <p:tnLst>
-      <p:par>
-        <p:cTn id="1" dur="indefinite" restart="never" nodeType="tmRoot"/>
-      </p:par>
-    </p:tnLst>
-  </p:timing>
 </p:sldLayout>
 </file>
 
@@ -2894,10 +3087,9 @@
           <a:lstStyle/>
           <a:p>
             <a:r>
-              <a:rPr lang="de-DE" smtClean="0"/>
+              <a:rPr lang="de-DE"/>
               <a:t>Titelmasterformat durch Klicken bearbeiten</a:t>
             </a:r>
-            <a:endParaRPr lang="de-DE"/>
           </a:p>
         </p:txBody>
       </p:sp>
@@ -2941,38 +3133,37 @@
           <a:p>
             <a:pPr lvl="0"/>
             <a:r>
-              <a:rPr lang="de-DE" smtClean="0"/>
+              <a:rPr lang="de-DE"/>
               <a:t>Textmasterformat bearbeiten</a:t>
             </a:r>
           </a:p>
           <a:p>
             <a:pPr lvl="1"/>
             <a:r>
-              <a:rPr lang="de-DE" smtClean="0"/>
+              <a:rPr lang="de-DE"/>
               <a:t>Zweite Ebene</a:t>
             </a:r>
           </a:p>
           <a:p>
             <a:pPr lvl="2"/>
             <a:r>
-              <a:rPr lang="de-DE" smtClean="0"/>
+              <a:rPr lang="de-DE"/>
               <a:t>Dritte Ebene</a:t>
             </a:r>
           </a:p>
           <a:p>
             <a:pPr lvl="3"/>
             <a:r>
-              <a:rPr lang="de-DE" smtClean="0"/>
+              <a:rPr lang="de-DE"/>
               <a:t>Vierte Ebene</a:t>
             </a:r>
           </a:p>
           <a:p>
             <a:pPr lvl="4"/>
             <a:r>
-              <a:rPr lang="de-DE" smtClean="0"/>
+              <a:rPr lang="de-DE"/>
               <a:t>Fünfte Ebene</a:t>
             </a:r>
-            <a:endParaRPr lang="de-DE"/>
           </a:p>
         </p:txBody>
       </p:sp>
@@ -3016,38 +3207,37 @@
           <a:p>
             <a:pPr lvl="0"/>
             <a:r>
-              <a:rPr lang="de-DE" smtClean="0"/>
+              <a:rPr lang="de-DE"/>
               <a:t>Textmasterformat bearbeiten</a:t>
             </a:r>
           </a:p>
           <a:p>
             <a:pPr lvl="1"/>
             <a:r>
-              <a:rPr lang="de-DE" smtClean="0"/>
+              <a:rPr lang="de-DE"/>
               <a:t>Zweite Ebene</a:t>
             </a:r>
           </a:p>
           <a:p>
             <a:pPr lvl="2"/>
             <a:r>
-              <a:rPr lang="de-DE" smtClean="0"/>
+              <a:rPr lang="de-DE"/>
               <a:t>Dritte Ebene</a:t>
             </a:r>
           </a:p>
           <a:p>
             <a:pPr lvl="3"/>
             <a:r>
-              <a:rPr lang="de-DE" smtClean="0"/>
+              <a:rPr lang="de-DE"/>
               <a:t>Vierte Ebene</a:t>
             </a:r>
           </a:p>
           <a:p>
             <a:pPr lvl="4"/>
             <a:r>
-              <a:rPr lang="de-DE" smtClean="0"/>
+              <a:rPr lang="de-DE"/>
               <a:t>Fünfte Ebene</a:t>
             </a:r>
-            <a:endParaRPr lang="de-DE"/>
           </a:p>
         </p:txBody>
       </p:sp>
@@ -3061,21 +3251,6 @@
   <p:clrMapOvr>
     <a:masterClrMapping/>
   </p:clrMapOvr>
-  <mc:AlternateContent xmlns:mc="http://schemas.openxmlformats.org/markup-compatibility/2006" xmlns:p14="http://schemas.microsoft.com/office/powerpoint/2010/main">
-    <mc:Choice Requires="p14">
-      <p:transition p14:dur="0"/>
-    </mc:Choice>
-    <mc:Fallback xmlns="">
-      <p:transition/>
-    </mc:Fallback>
-  </mc:AlternateContent>
-  <p:timing>
-    <p:tnLst>
-      <p:par>
-        <p:cTn id="1" dur="indefinite" restart="never" nodeType="tmRoot"/>
-      </p:par>
-    </p:tnLst>
-  </p:timing>
 </p:sldLayout>
 </file>
 
@@ -3112,10 +3287,9 @@
           <a:lstStyle/>
           <a:p>
             <a:r>
-              <a:rPr lang="de-DE" smtClean="0"/>
+              <a:rPr lang="de-DE"/>
               <a:t>Titelmasterformat durch Klicken bearbeiten</a:t>
             </a:r>
-            <a:endParaRPr lang="de-DE"/>
           </a:p>
         </p:txBody>
       </p:sp>
@@ -3129,14 +3303,6 @@
   <p:clrMapOvr>
     <a:masterClrMapping/>
   </p:clrMapOvr>
-  <mc:AlternateContent xmlns:mc="http://schemas.openxmlformats.org/markup-compatibility/2006" xmlns:p14="http://schemas.microsoft.com/office/powerpoint/2010/main">
-    <mc:Choice Requires="p14">
-      <p:transition p14:dur="0"/>
-    </mc:Choice>
-    <mc:Fallback xmlns="">
-      <p:transition/>
-    </mc:Fallback>
-  </mc:AlternateContent>
 </p:sldLayout>
 </file>
 
@@ -3173,10 +3339,9 @@
           <a:lstStyle/>
           <a:p>
             <a:r>
-              <a:rPr lang="de-DE" smtClean="0"/>
+              <a:rPr lang="de-DE"/>
               <a:t>Titelmasterformat durch Klicken bearbeiten</a:t>
             </a:r>
-            <a:endParaRPr lang="de-DE"/>
           </a:p>
         </p:txBody>
       </p:sp>
@@ -3190,14 +3355,6 @@
   <p:clrMapOvr>
     <a:masterClrMapping/>
   </p:clrMapOvr>
-  <mc:AlternateContent xmlns:mc="http://schemas.openxmlformats.org/markup-compatibility/2006" xmlns:p14="http://schemas.microsoft.com/office/powerpoint/2010/main">
-    <mc:Choice Requires="p14">
-      <p:transition p14:dur="0"/>
-    </mc:Choice>
-    <mc:Fallback xmlns="">
-      <p:transition/>
-    </mc:Fallback>
-  </mc:AlternateContent>
 </p:sldLayout>
 </file>
 
@@ -3286,7 +3443,7 @@
           <a:p>
             <a:pPr lvl="0" eaLnBrk="0" hangingPunct="0"/>
             <a:r>
-              <a:rPr lang="de-DE" smtClean="0"/>
+              <a:rPr lang="de-DE"/>
               <a:t>Formatvorlagen des Textmasters bearbeiten</a:t>
             </a:r>
           </a:p>
@@ -3342,28 +3499,28 @@
           <a:p>
             <a:pPr lvl="0"/>
             <a:r>
-              <a:rPr lang="de-DE" smtClean="0"/>
+              <a:rPr lang="de-DE"/>
               <a:t>Formatvorlagen des Textmasters bearbeiten</a:t>
             </a:r>
           </a:p>
           <a:p>
             <a:pPr lvl="1"/>
             <a:r>
-              <a:rPr lang="de-DE" smtClean="0"/>
+              <a:rPr lang="de-DE"/>
               <a:t>Zweite Ebene</a:t>
             </a:r>
           </a:p>
           <a:p>
             <a:pPr lvl="2"/>
             <a:r>
-              <a:rPr lang="de-DE" smtClean="0"/>
+              <a:rPr lang="de-DE"/>
               <a:t>Dritte Ebene</a:t>
             </a:r>
           </a:p>
           <a:p>
             <a:pPr lvl="3"/>
             <a:r>
-              <a:rPr lang="de-DE" smtClean="0"/>
+              <a:rPr lang="de-DE"/>
               <a:t>Vierte Ebene</a:t>
             </a:r>
           </a:p>
@@ -3396,7 +3553,7 @@
           <a:p>
             <a:pPr lvl="0"/>
             <a:r>
-              <a:rPr lang="de-DE" smtClean="0"/>
+              <a:rPr lang="de-DE"/>
               <a:t>Titelmasterformat durch Klicken bearbeiten</a:t>
             </a:r>
             <a:endParaRPr lang="de-DE" dirty="0"/>
@@ -3413,22 +3570,7 @@
   <p:clrMapOvr>
     <a:masterClrMapping/>
   </p:clrMapOvr>
-  <mc:AlternateContent xmlns:mc="http://schemas.openxmlformats.org/markup-compatibility/2006" xmlns:p14="http://schemas.microsoft.com/office/powerpoint/2010/main">
-    <mc:Choice Requires="p14">
-      <p:transition p14:dur="0"/>
-    </mc:Choice>
-    <mc:Fallback xmlns="">
-      <p:transition/>
-    </mc:Fallback>
-  </mc:AlternateContent>
-  <p:timing>
-    <p:tnLst>
-      <p:par>
-        <p:cTn id="1" dur="indefinite" restart="never" nodeType="tmRoot"/>
-      </p:par>
-    </p:tnLst>
-  </p:timing>
-  <p:extLst mod="1">
+  <p:extLst>
     <p:ext uri="{DCECCB84-F9BA-43D5-87BE-67443E8EF086}">
       <p15:sldGuideLst xmlns:p15="http://schemas.microsoft.com/office/powerpoint/2012/main">
         <p15:guide id="1" orient="horz" pos="3672" userDrawn="1">
@@ -3557,7 +3699,7 @@
           <a:p>
             <a:pPr lvl="0" eaLnBrk="0" hangingPunct="0"/>
             <a:r>
-              <a:rPr lang="de-DE" smtClean="0"/>
+              <a:rPr lang="de-DE"/>
               <a:t>Formatvorlagen des Textmasters bearbeiten</a:t>
             </a:r>
           </a:p>
@@ -3590,7 +3732,7 @@
           <a:p>
             <a:pPr lvl="0"/>
             <a:r>
-              <a:rPr lang="de-DE" smtClean="0"/>
+              <a:rPr lang="de-DE"/>
               <a:t>Titelmasterformat durch Klicken bearbeiten</a:t>
             </a:r>
             <a:endParaRPr lang="de-DE" dirty="0"/>
@@ -3607,22 +3749,7 @@
   <p:clrMapOvr>
     <a:masterClrMapping/>
   </p:clrMapOvr>
-  <mc:AlternateContent xmlns:mc="http://schemas.openxmlformats.org/markup-compatibility/2006" xmlns:p14="http://schemas.microsoft.com/office/powerpoint/2010/main">
-    <mc:Choice Requires="p14">
-      <p:transition p14:dur="0"/>
-    </mc:Choice>
-    <mc:Fallback xmlns="">
-      <p:transition/>
-    </mc:Fallback>
-  </mc:AlternateContent>
-  <p:timing>
-    <p:tnLst>
-      <p:par>
-        <p:cTn id="1" dur="indefinite" restart="never" nodeType="tmRoot"/>
-      </p:par>
-    </p:tnLst>
-  </p:timing>
-  <p:extLst mod="1">
+  <p:extLst>
     <p:ext uri="{DCECCB84-F9BA-43D5-87BE-67443E8EF086}">
       <p15:sldGuideLst xmlns:p15="http://schemas.microsoft.com/office/powerpoint/2012/main">
         <p15:guide id="1" orient="horz" pos="2160">
@@ -3708,28 +3835,28 @@
           <a:p>
             <a:pPr lvl="0"/>
             <a:r>
-              <a:rPr lang="de-DE" smtClean="0"/>
+              <a:rPr lang="de-DE"/>
               <a:t>Formatvorlagen des Textmasters bearbeiten</a:t>
             </a:r>
           </a:p>
           <a:p>
             <a:pPr lvl="1"/>
             <a:r>
-              <a:rPr lang="de-DE" smtClean="0"/>
+              <a:rPr lang="de-DE"/>
               <a:t>Zweite Ebene</a:t>
             </a:r>
           </a:p>
           <a:p>
             <a:pPr lvl="2"/>
             <a:r>
-              <a:rPr lang="de-DE" smtClean="0"/>
+              <a:rPr lang="de-DE"/>
               <a:t>Dritte Ebene</a:t>
             </a:r>
           </a:p>
           <a:p>
             <a:pPr lvl="3"/>
             <a:r>
-              <a:rPr lang="de-DE" smtClean="0"/>
+              <a:rPr lang="de-DE"/>
               <a:t>Vierte Ebene</a:t>
             </a:r>
           </a:p>
@@ -3785,28 +3912,28 @@
           <a:p>
             <a:pPr lvl="0"/>
             <a:r>
-              <a:rPr lang="de-DE" smtClean="0"/>
+              <a:rPr lang="de-DE"/>
               <a:t>Formatvorlagen des Textmasters bearbeiten</a:t>
             </a:r>
           </a:p>
           <a:p>
             <a:pPr lvl="1"/>
             <a:r>
-              <a:rPr lang="de-DE" smtClean="0"/>
+              <a:rPr lang="de-DE"/>
               <a:t>Zweite Ebene</a:t>
             </a:r>
           </a:p>
           <a:p>
             <a:pPr lvl="2"/>
             <a:r>
-              <a:rPr lang="de-DE" smtClean="0"/>
+              <a:rPr lang="de-DE"/>
               <a:t>Dritte Ebene</a:t>
             </a:r>
           </a:p>
           <a:p>
             <a:pPr lvl="3"/>
             <a:r>
-              <a:rPr lang="de-DE" smtClean="0"/>
+              <a:rPr lang="de-DE"/>
               <a:t>Vierte Ebene</a:t>
             </a:r>
           </a:p>
@@ -3862,28 +3989,28 @@
           <a:p>
             <a:pPr lvl="0"/>
             <a:r>
-              <a:rPr lang="de-DE" smtClean="0"/>
+              <a:rPr lang="de-DE"/>
               <a:t>Formatvorlagen des Textmasters bearbeiten</a:t>
             </a:r>
           </a:p>
           <a:p>
             <a:pPr lvl="1"/>
             <a:r>
-              <a:rPr lang="de-DE" smtClean="0"/>
+              <a:rPr lang="de-DE"/>
               <a:t>Zweite Ebene</a:t>
             </a:r>
           </a:p>
           <a:p>
             <a:pPr lvl="2"/>
             <a:r>
-              <a:rPr lang="de-DE" smtClean="0"/>
+              <a:rPr lang="de-DE"/>
               <a:t>Dritte Ebene</a:t>
             </a:r>
           </a:p>
           <a:p>
             <a:pPr lvl="3"/>
             <a:r>
-              <a:rPr lang="de-DE" smtClean="0"/>
+              <a:rPr lang="de-DE"/>
               <a:t>Vierte Ebene</a:t>
             </a:r>
           </a:p>
@@ -3916,7 +4043,7 @@
           <a:p>
             <a:pPr lvl="0"/>
             <a:r>
-              <a:rPr lang="de-DE" smtClean="0"/>
+              <a:rPr lang="de-DE"/>
               <a:t>Titelmasterformat durch Klicken bearbeiten</a:t>
             </a:r>
             <a:endParaRPr lang="de-DE" dirty="0"/>
@@ -3991,7 +4118,7 @@
           <a:p>
             <a:pPr lvl="0" eaLnBrk="0" hangingPunct="0"/>
             <a:r>
-              <a:rPr lang="de-DE" smtClean="0"/>
+              <a:rPr lang="de-DE"/>
               <a:t>Formatvorlagen des Textmasters bearbeiten</a:t>
             </a:r>
           </a:p>
@@ -4007,21 +4134,6 @@
   <p:clrMapOvr>
     <a:masterClrMapping/>
   </p:clrMapOvr>
-  <mc:AlternateContent xmlns:mc="http://schemas.openxmlformats.org/markup-compatibility/2006" xmlns:p14="http://schemas.microsoft.com/office/powerpoint/2010/main">
-    <mc:Choice Requires="p14">
-      <p:transition p14:dur="0"/>
-    </mc:Choice>
-    <mc:Fallback xmlns="">
-      <p:transition/>
-    </mc:Fallback>
-  </mc:AlternateContent>
-  <p:timing>
-    <p:tnLst>
-      <p:par>
-        <p:cTn id="1" dur="indefinite" restart="never" nodeType="tmRoot"/>
-      </p:par>
-    </p:tnLst>
-  </p:timing>
 </p:sldLayout>
 </file>
 
@@ -4098,35 +4210,35 @@
           <a:p>
             <a:pPr lvl="0"/>
             <a:r>
-              <a:rPr lang="de-DE" smtClean="0"/>
+              <a:rPr lang="de-DE"/>
               <a:t>Formatvorlagen des Textmasters bearbeiten</a:t>
             </a:r>
           </a:p>
           <a:p>
             <a:pPr lvl="1"/>
             <a:r>
-              <a:rPr lang="de-DE" smtClean="0"/>
+              <a:rPr lang="de-DE"/>
               <a:t>Zweite Ebene</a:t>
             </a:r>
           </a:p>
           <a:p>
             <a:pPr lvl="2"/>
             <a:r>
-              <a:rPr lang="de-DE" smtClean="0"/>
+              <a:rPr lang="de-DE"/>
               <a:t>Dritte Ebene</a:t>
             </a:r>
           </a:p>
           <a:p>
             <a:pPr lvl="3"/>
             <a:r>
-              <a:rPr lang="de-DE" smtClean="0"/>
+              <a:rPr lang="de-DE"/>
               <a:t>Vierte Ebene</a:t>
             </a:r>
           </a:p>
           <a:p>
             <a:pPr lvl="4"/>
             <a:r>
-              <a:rPr lang="de-DE" smtClean="0"/>
+              <a:rPr lang="de-DE"/>
               <a:t>Fünfte Ebene</a:t>
             </a:r>
             <a:endParaRPr lang="de-DE" dirty="0"/>
@@ -4160,7 +4272,7 @@
           <a:p>
             <a:pPr lvl="0"/>
             <a:r>
-              <a:rPr lang="de-DE" smtClean="0"/>
+              <a:rPr lang="de-DE"/>
               <a:t>Titelmasterformat durch Klicken bearbeiten</a:t>
             </a:r>
             <a:endParaRPr lang="de-DE" dirty="0"/>
@@ -4177,21 +4289,6 @@
   <p:clrMapOvr>
     <a:masterClrMapping/>
   </p:clrMapOvr>
-  <mc:AlternateContent xmlns:mc="http://schemas.openxmlformats.org/markup-compatibility/2006" xmlns:p14="http://schemas.microsoft.com/office/powerpoint/2010/main">
-    <mc:Choice Requires="p14">
-      <p:transition p14:dur="0"/>
-    </mc:Choice>
-    <mc:Fallback xmlns="">
-      <p:transition/>
-    </mc:Fallback>
-  </mc:AlternateContent>
-  <p:timing>
-    <p:tnLst>
-      <p:par>
-        <p:cTn id="1" dur="indefinite" restart="never" nodeType="tmRoot"/>
-      </p:par>
-    </p:tnLst>
-  </p:timing>
 </p:sldLayout>
 </file>
 
@@ -4268,35 +4365,35 @@
           <a:p>
             <a:pPr lvl="0"/>
             <a:r>
-              <a:rPr lang="de-DE" smtClean="0"/>
+              <a:rPr lang="de-DE"/>
               <a:t>Formatvorlagen des Textmasters bearbeiten</a:t>
             </a:r>
           </a:p>
           <a:p>
             <a:pPr lvl="1"/>
             <a:r>
-              <a:rPr lang="de-DE" smtClean="0"/>
+              <a:rPr lang="de-DE"/>
               <a:t>Zweite Ebene</a:t>
             </a:r>
           </a:p>
           <a:p>
             <a:pPr lvl="2"/>
             <a:r>
-              <a:rPr lang="de-DE" smtClean="0"/>
+              <a:rPr lang="de-DE"/>
               <a:t>Dritte Ebene</a:t>
             </a:r>
           </a:p>
           <a:p>
             <a:pPr lvl="3"/>
             <a:r>
-              <a:rPr lang="de-DE" smtClean="0"/>
+              <a:rPr lang="de-DE"/>
               <a:t>Vierte Ebene</a:t>
             </a:r>
           </a:p>
           <a:p>
             <a:pPr lvl="4"/>
             <a:r>
-              <a:rPr lang="de-DE" smtClean="0"/>
+              <a:rPr lang="de-DE"/>
               <a:t>Fünfte Ebene</a:t>
             </a:r>
             <a:endParaRPr lang="de-DE" dirty="0"/>
@@ -4382,7 +4479,7 @@
           <a:p>
             <a:pPr lvl="0"/>
             <a:r>
-              <a:rPr lang="de-DE" dirty="0" smtClean="0"/>
+              <a:rPr lang="de-DE" dirty="0"/>
               <a:t>Textmasterformat bearbeiten</a:t>
             </a:r>
           </a:p>
@@ -4412,10 +4509,9 @@
           <a:lstStyle/>
           <a:p>
             <a:r>
-              <a:rPr lang="de-DE" smtClean="0"/>
+              <a:rPr lang="de-DE"/>
               <a:t>Bild durch Klicken auf Symbol hinzufügen</a:t>
             </a:r>
-            <a:endParaRPr lang="de-DE"/>
           </a:p>
         </p:txBody>
       </p:sp>
@@ -4446,7 +4542,7 @@
           <a:p>
             <a:pPr lvl="0"/>
             <a:r>
-              <a:rPr lang="de-DE" smtClean="0"/>
+              <a:rPr lang="de-DE"/>
               <a:t>Titelmasterformat durch Klicken bearbeiten</a:t>
             </a:r>
             <a:endParaRPr lang="de-DE" dirty="0"/>
@@ -4463,21 +4559,6 @@
   <p:clrMapOvr>
     <a:masterClrMapping/>
   </p:clrMapOvr>
-  <mc:AlternateContent xmlns:mc="http://schemas.openxmlformats.org/markup-compatibility/2006" xmlns:p14="http://schemas.microsoft.com/office/powerpoint/2010/main">
-    <mc:Choice Requires="p14">
-      <p:transition p14:dur="0"/>
-    </mc:Choice>
-    <mc:Fallback xmlns="">
-      <p:transition/>
-    </mc:Fallback>
-  </mc:AlternateContent>
-  <p:timing>
-    <p:tnLst>
-      <p:par>
-        <p:cTn id="1" dur="indefinite" restart="never" nodeType="tmRoot"/>
-      </p:par>
-    </p:tnLst>
-  </p:timing>
 </p:sldLayout>
 </file>
 
@@ -4514,10 +4595,9 @@
           <a:lstStyle/>
           <a:p>
             <a:r>
-              <a:rPr lang="de-DE" smtClean="0"/>
+              <a:rPr lang="de-DE"/>
               <a:t>Titelmasterformat durch Klicken bearbeiten</a:t>
             </a:r>
-            <a:endParaRPr lang="de-DE"/>
           </a:p>
         </p:txBody>
       </p:sp>
@@ -4538,35 +4618,35 @@
           <a:p>
             <a:pPr lvl="0"/>
             <a:r>
-              <a:rPr lang="de-DE" smtClean="0"/>
+              <a:rPr lang="de-DE"/>
               <a:t>Formatvorlagen des Textmasters bearbeiten</a:t>
             </a:r>
           </a:p>
           <a:p>
             <a:pPr lvl="1"/>
             <a:r>
-              <a:rPr lang="de-DE" smtClean="0"/>
+              <a:rPr lang="de-DE"/>
               <a:t>Zweite Ebene</a:t>
             </a:r>
           </a:p>
           <a:p>
             <a:pPr lvl="2"/>
             <a:r>
-              <a:rPr lang="de-DE" smtClean="0"/>
+              <a:rPr lang="de-DE"/>
               <a:t>Dritte Ebene</a:t>
             </a:r>
           </a:p>
           <a:p>
             <a:pPr lvl="3"/>
             <a:r>
-              <a:rPr lang="de-DE" smtClean="0"/>
+              <a:rPr lang="de-DE"/>
               <a:t>Vierte Ebene</a:t>
             </a:r>
           </a:p>
           <a:p>
             <a:pPr lvl="4"/>
             <a:r>
-              <a:rPr lang="de-DE" smtClean="0"/>
+              <a:rPr lang="de-DE"/>
               <a:t>Fünfte Ebene</a:t>
             </a:r>
             <a:endParaRPr lang="de-DE" dirty="0"/>
@@ -4583,21 +4663,6 @@
   <p:clrMapOvr>
     <a:masterClrMapping/>
   </p:clrMapOvr>
-  <mc:AlternateContent xmlns:mc="http://schemas.openxmlformats.org/markup-compatibility/2006" xmlns:p14="http://schemas.microsoft.com/office/powerpoint/2010/main">
-    <mc:Choice Requires="p14">
-      <p:transition p14:dur="0"/>
-    </mc:Choice>
-    <mc:Fallback xmlns="">
-      <p:transition/>
-    </mc:Fallback>
-  </mc:AlternateContent>
-  <p:timing>
-    <p:tnLst>
-      <p:par>
-        <p:cTn id="1" dur="indefinite" restart="never" nodeType="tmRoot"/>
-      </p:par>
-    </p:tnLst>
-  </p:timing>
 </p:sldLayout>
 </file>
 
@@ -4634,10 +4699,9 @@
           <a:lstStyle/>
           <a:p>
             <a:r>
-              <a:rPr lang="de-DE" smtClean="0"/>
+              <a:rPr lang="de-DE"/>
               <a:t>Titelmasterformat durch Klicken bearbeiten</a:t>
             </a:r>
-            <a:endParaRPr lang="de-DE"/>
           </a:p>
         </p:txBody>
       </p:sp>
@@ -4681,38 +4745,37 @@
           <a:p>
             <a:pPr lvl="0"/>
             <a:r>
-              <a:rPr lang="de-DE" smtClean="0"/>
+              <a:rPr lang="de-DE"/>
               <a:t>Formatvorlagen des Textmasters bearbeiten</a:t>
             </a:r>
           </a:p>
           <a:p>
             <a:pPr lvl="1"/>
             <a:r>
-              <a:rPr lang="de-DE" smtClean="0"/>
+              <a:rPr lang="de-DE"/>
               <a:t>Zweite Ebene</a:t>
             </a:r>
           </a:p>
           <a:p>
             <a:pPr lvl="2"/>
             <a:r>
-              <a:rPr lang="de-DE" smtClean="0"/>
+              <a:rPr lang="de-DE"/>
               <a:t>Dritte Ebene</a:t>
             </a:r>
           </a:p>
           <a:p>
             <a:pPr lvl="3"/>
             <a:r>
-              <a:rPr lang="de-DE" smtClean="0"/>
+              <a:rPr lang="de-DE"/>
               <a:t>Vierte Ebene</a:t>
             </a:r>
           </a:p>
           <a:p>
             <a:pPr lvl="4"/>
             <a:r>
-              <a:rPr lang="de-DE" smtClean="0"/>
+              <a:rPr lang="de-DE"/>
               <a:t>Fünfte Ebene</a:t>
             </a:r>
-            <a:endParaRPr lang="de-DE"/>
           </a:p>
         </p:txBody>
       </p:sp>
@@ -4756,38 +4819,37 @@
           <a:p>
             <a:pPr lvl="0"/>
             <a:r>
-              <a:rPr lang="de-DE" smtClean="0"/>
+              <a:rPr lang="de-DE"/>
               <a:t>Formatvorlagen des Textmasters bearbeiten</a:t>
             </a:r>
           </a:p>
           <a:p>
             <a:pPr lvl="1"/>
             <a:r>
-              <a:rPr lang="de-DE" smtClean="0"/>
+              <a:rPr lang="de-DE"/>
               <a:t>Zweite Ebene</a:t>
             </a:r>
           </a:p>
           <a:p>
             <a:pPr lvl="2"/>
             <a:r>
-              <a:rPr lang="de-DE" smtClean="0"/>
+              <a:rPr lang="de-DE"/>
               <a:t>Dritte Ebene</a:t>
             </a:r>
           </a:p>
           <a:p>
             <a:pPr lvl="3"/>
             <a:r>
-              <a:rPr lang="de-DE" smtClean="0"/>
+              <a:rPr lang="de-DE"/>
               <a:t>Vierte Ebene</a:t>
             </a:r>
           </a:p>
           <a:p>
             <a:pPr lvl="4"/>
             <a:r>
-              <a:rPr lang="de-DE" smtClean="0"/>
+              <a:rPr lang="de-DE"/>
               <a:t>Fünfte Ebene</a:t>
             </a:r>
-            <a:endParaRPr lang="de-DE"/>
           </a:p>
         </p:txBody>
       </p:sp>
@@ -4801,21 +4863,6 @@
   <p:clrMapOvr>
     <a:masterClrMapping/>
   </p:clrMapOvr>
-  <mc:AlternateContent xmlns:mc="http://schemas.openxmlformats.org/markup-compatibility/2006" xmlns:p14="http://schemas.microsoft.com/office/powerpoint/2010/main">
-    <mc:Choice Requires="p14">
-      <p:transition p14:dur="0"/>
-    </mc:Choice>
-    <mc:Fallback xmlns="">
-      <p:transition/>
-    </mc:Fallback>
-  </mc:AlternateContent>
-  <p:timing>
-    <p:tnLst>
-      <p:par>
-        <p:cTn id="1" dur="indefinite" restart="never" nodeType="tmRoot"/>
-      </p:par>
-    </p:tnLst>
-  </p:timing>
 </p:sldLayout>
 </file>
 
@@ -4852,7 +4899,7 @@
           </p:cNvGraphicFramePr>
           <p:nvPr>
             <p:custDataLst>
-              <p:tags r:id="rId14"/>
+              <p:tags r:id="rId13"/>
             </p:custDataLst>
             <p:extLst>
               <p:ext uri="{D42A27DB-BD31-4B8C-83A1-F6EECF244321}">
@@ -4869,12 +4916,12 @@
           <a:graphicData uri="http://schemas.openxmlformats.org/presentationml/2006/ole">
             <mc:AlternateContent xmlns:mc="http://schemas.openxmlformats.org/markup-compatibility/2006">
               <mc:Choice xmlns:v="urn:schemas-microsoft-com:vml" Requires="v">
-                <p:oleObj spid="_x0000_s1066" name="think-cell Folie" r:id="rId16" imgW="270" imgH="270" progId="TCLayout.ActiveDocument.1">
+                <p:oleObj name="think-cell Folie" r:id="rId15" imgW="270" imgH="270" progId="TCLayout.ActiveDocument.1">
                   <p:embed/>
                 </p:oleObj>
               </mc:Choice>
               <mc:Fallback>
-                <p:oleObj name="think-cell Folie" r:id="rId16" imgW="270" imgH="270" progId="TCLayout.ActiveDocument.1">
+                <p:oleObj name="think-cell Folie" r:id="rId15" imgW="270" imgH="270" progId="TCLayout.ActiveDocument.1">
                   <p:embed/>
                   <p:pic>
                     <p:nvPicPr>
@@ -4883,7 +4930,7 @@
                       <p:nvPr/>
                     </p:nvPicPr>
                     <p:blipFill>
-                      <a:blip r:embed="rId17"/>
+                      <a:blip r:embed="rId16"/>
                       <a:stretch>
                         <a:fillRect/>
                       </a:stretch>
@@ -4910,7 +4957,7 @@
           <p:cNvSpPr/>
           <p:nvPr userDrawn="1">
             <p:custDataLst>
-              <p:tags r:id="rId15"/>
+              <p:tags r:id="rId14"/>
             </p:custDataLst>
           </p:nvPr>
         </p:nvSpPr>
@@ -5173,7 +5220,7 @@
                 </a:solidFill>
               </a:rPr>
               <a:pPr/>
-              <a:t>‹Nr.›</a:t>
+              <a:t>‹#›</a:t>
             </a:fld>
             <a:endParaRPr lang="de-DE" altLang="de-DE" sz="900" dirty="0">
               <a:solidFill>
@@ -5285,17 +5332,7 @@
                   </a:schemeClr>
                 </a:solidFill>
               </a:rPr>
-              <a:t>© </a:t>
-            </a:r>
-            <a:r>
-              <a:rPr lang="en-US" dirty="0" smtClean="0">
-                <a:solidFill>
-                  <a:schemeClr val="bg1">
-                    <a:lumMod val="50000"/>
-                  </a:schemeClr>
-                </a:solidFill>
-              </a:rPr>
-              <a:t>PEM</a:t>
+              <a:t>© PEM</a:t>
             </a:r>
             <a:endParaRPr lang="de-DE" dirty="0">
               <a:solidFill>
@@ -5334,10 +5371,9 @@
           <a:p>
             <a:pPr lvl="0"/>
             <a:r>
-              <a:rPr lang="de-DE" dirty="0" smtClean="0"/>
+              <a:rPr lang="de-DE" dirty="0"/>
               <a:t>Titelmasterformat durch Klicken bearbeiten</a:t>
             </a:r>
-            <a:endParaRPr lang="de-DE" dirty="0"/>
           </a:p>
         </p:txBody>
       </p:sp>
@@ -5368,38 +5404,37 @@
           <a:p>
             <a:pPr lvl="0"/>
             <a:r>
-              <a:rPr lang="de-DE" dirty="0" smtClean="0"/>
+              <a:rPr lang="de-DE" dirty="0"/>
               <a:t>Textmasterformat bearbeiten</a:t>
             </a:r>
           </a:p>
           <a:p>
             <a:pPr lvl="1"/>
             <a:r>
-              <a:rPr lang="de-DE" dirty="0" smtClean="0"/>
+              <a:rPr lang="de-DE" dirty="0"/>
               <a:t>Zweite Ebene</a:t>
             </a:r>
           </a:p>
           <a:p>
             <a:pPr lvl="2"/>
             <a:r>
-              <a:rPr lang="de-DE" dirty="0" smtClean="0"/>
+              <a:rPr lang="de-DE" dirty="0"/>
               <a:t>Dritte Ebene</a:t>
             </a:r>
           </a:p>
           <a:p>
             <a:pPr lvl="3"/>
             <a:r>
-              <a:rPr lang="de-DE" dirty="0" smtClean="0"/>
+              <a:rPr lang="de-DE" dirty="0"/>
               <a:t>Vierte Ebene</a:t>
             </a:r>
           </a:p>
           <a:p>
             <a:pPr lvl="4"/>
             <a:r>
-              <a:rPr lang="de-DE" dirty="0" smtClean="0"/>
+              <a:rPr lang="de-DE" dirty="0"/>
               <a:t>Fünfte Ebene</a:t>
             </a:r>
-            <a:endParaRPr lang="de-DE" dirty="0"/>
           </a:p>
         </p:txBody>
       </p:sp>
@@ -5412,7 +5447,7 @@
           <p:nvPr/>
         </p:nvPicPr>
         <p:blipFill>
-          <a:blip r:embed="rId18" cstate="print">
+          <a:blip r:embed="rId17" cstate="print">
             <a:extLst>
               <a:ext uri="{28A0092B-C50C-407E-A947-70E740481C1C}">
                 <a14:useLocalDpi xmlns:a14="http://schemas.microsoft.com/office/drawing/2010/main" val="0"/>
@@ -5460,21 +5495,6 @@
     <p:sldLayoutId id="2147483676" r:id="rId10"/>
     <p:sldLayoutId id="2147483689" r:id="rId11"/>
   </p:sldLayoutIdLst>
-  <mc:AlternateContent xmlns:mc="http://schemas.openxmlformats.org/markup-compatibility/2006" xmlns:p14="http://schemas.microsoft.com/office/powerpoint/2010/main">
-    <mc:Choice Requires="p14">
-      <p:transition p14:dur="0"/>
-    </mc:Choice>
-    <mc:Fallback xmlns="">
-      <p:transition/>
-    </mc:Fallback>
-  </mc:AlternateContent>
-  <p:timing>
-    <p:tnLst>
-      <p:par>
-        <p:cTn id="1" dur="indefinite" restart="never" nodeType="tmRoot"/>
-      </p:par>
-    </p:tnLst>
-  </p:timing>
   <p:txStyles>
     <p:titleStyle>
       <a:lvl1pPr algn="l" rtl="0" eaLnBrk="1" fontAlgn="base" hangingPunct="1">
@@ -5984,7 +6004,7 @@
           </p:cNvGraphicFramePr>
           <p:nvPr>
             <p:custDataLst>
-              <p:tags r:id="rId14"/>
+              <p:tags r:id="rId13"/>
             </p:custDataLst>
             <p:extLst>
               <p:ext uri="{D42A27DB-BD31-4B8C-83A1-F6EECF244321}">
@@ -6001,12 +6021,12 @@
           <a:graphicData uri="http://schemas.openxmlformats.org/presentationml/2006/ole">
             <mc:AlternateContent xmlns:mc="http://schemas.openxmlformats.org/markup-compatibility/2006">
               <mc:Choice xmlns:v="urn:schemas-microsoft-com:vml" Requires="v">
-                <p:oleObj spid="_x0000_s3110" name="think-cell Folie" r:id="rId16" imgW="360" imgH="360" progId="TCLayout.ActiveDocument.1">
+                <p:oleObj name="think-cell Folie" r:id="rId15" imgW="360" imgH="360" progId="TCLayout.ActiveDocument.1">
                   <p:embed/>
                 </p:oleObj>
               </mc:Choice>
               <mc:Fallback>
-                <p:oleObj name="think-cell Folie" r:id="rId16" imgW="360" imgH="360" progId="TCLayout.ActiveDocument.1">
+                <p:oleObj name="think-cell Folie" r:id="rId15" imgW="360" imgH="360" progId="TCLayout.ActiveDocument.1">
                   <p:embed/>
                   <p:pic>
                     <p:nvPicPr>
@@ -6017,7 +6037,7 @@
                       <p:nvPr/>
                     </p:nvPicPr>
                     <p:blipFill>
-                      <a:blip r:embed="rId17">
+                      <a:blip r:embed="rId16">
                         <a:extLst>
                           <a:ext uri="{28A0092B-C50C-407E-A947-70E740481C1C}">
                             <a14:useLocalDpi xmlns:a14="http://schemas.microsoft.com/office/drawing/2010/main" val="0"/>
@@ -6061,7 +6081,7 @@
           <p:cNvSpPr/>
           <p:nvPr userDrawn="1">
             <p:custDataLst>
-              <p:tags r:id="rId15"/>
+              <p:tags r:id="rId14"/>
             </p:custDataLst>
           </p:nvPr>
         </p:nvSpPr>
@@ -6324,7 +6344,7 @@
                 </a:solidFill>
               </a:rPr>
               <a:pPr/>
-              <a:t>‹Nr.›</a:t>
+              <a:t>‹#›</a:t>
             </a:fld>
             <a:endParaRPr lang="de-DE" altLang="de-DE" sz="900" dirty="0">
               <a:solidFill>
@@ -6435,17 +6455,7 @@
                   </a:prstClr>
                 </a:solidFill>
               </a:rPr>
-              <a:t>© </a:t>
-            </a:r>
-            <a:r>
-              <a:rPr lang="en-US" dirty="0" smtClean="0">
-                <a:solidFill>
-                  <a:prstClr val="white">
-                    <a:lumMod val="50000"/>
-                  </a:prstClr>
-                </a:solidFill>
-              </a:rPr>
-              <a:t>PEM</a:t>
+              <a:t>© PEM</a:t>
             </a:r>
             <a:endParaRPr lang="de-DE" dirty="0">
               <a:solidFill>
@@ -6484,10 +6494,9 @@
           <a:p>
             <a:pPr lvl="0"/>
             <a:r>
-              <a:rPr lang="de-DE" dirty="0" smtClean="0"/>
+              <a:rPr lang="de-DE" dirty="0"/>
               <a:t>Titelmasterformat durch Klicken bearbeiten</a:t>
             </a:r>
-            <a:endParaRPr lang="de-DE" dirty="0"/>
           </a:p>
         </p:txBody>
       </p:sp>
@@ -6518,38 +6527,37 @@
           <a:p>
             <a:pPr lvl="0"/>
             <a:r>
-              <a:rPr lang="de-DE" dirty="0" smtClean="0"/>
+              <a:rPr lang="de-DE" dirty="0"/>
               <a:t>Textmasterformat bearbeiten</a:t>
             </a:r>
           </a:p>
           <a:p>
             <a:pPr lvl="1"/>
             <a:r>
-              <a:rPr lang="de-DE" dirty="0" smtClean="0"/>
+              <a:rPr lang="de-DE" dirty="0"/>
               <a:t>Zweite Ebene</a:t>
             </a:r>
           </a:p>
           <a:p>
             <a:pPr lvl="2"/>
             <a:r>
-              <a:rPr lang="de-DE" dirty="0" smtClean="0"/>
+              <a:rPr lang="de-DE" dirty="0"/>
               <a:t>Dritte Ebene</a:t>
             </a:r>
           </a:p>
           <a:p>
             <a:pPr lvl="3"/>
             <a:r>
-              <a:rPr lang="de-DE" dirty="0" smtClean="0"/>
+              <a:rPr lang="de-DE" dirty="0"/>
               <a:t>Vierte Ebene</a:t>
             </a:r>
           </a:p>
           <a:p>
             <a:pPr lvl="4"/>
             <a:r>
-              <a:rPr lang="de-DE" dirty="0" smtClean="0"/>
+              <a:rPr lang="de-DE" dirty="0"/>
               <a:t>Fünfte Ebene</a:t>
             </a:r>
-            <a:endParaRPr lang="de-DE" dirty="0"/>
           </a:p>
         </p:txBody>
       </p:sp>
@@ -6562,7 +6570,7 @@
           <p:nvPr userDrawn="1"/>
         </p:nvPicPr>
         <p:blipFill>
-          <a:blip r:embed="rId18" cstate="print">
+          <a:blip r:embed="rId17" cstate="print">
             <a:clrChange>
               <a:clrFrom>
                 <a:srgbClr val="FFFFFF"/>
@@ -6609,21 +6617,6 @@
     <p:sldLayoutId id="2147483687" r:id="rId10"/>
     <p:sldLayoutId id="2147483688" r:id="rId11"/>
   </p:sldLayoutIdLst>
-  <mc:AlternateContent xmlns:mc="http://schemas.openxmlformats.org/markup-compatibility/2006" xmlns:p14="http://schemas.microsoft.com/office/powerpoint/2010/main">
-    <mc:Choice Requires="p14">
-      <p:transition p14:dur="0"/>
-    </mc:Choice>
-    <mc:Fallback xmlns="">
-      <p:transition/>
-    </mc:Fallback>
-  </mc:AlternateContent>
-  <p:timing>
-    <p:tnLst>
-      <p:par>
-        <p:cTn id="1" dur="indefinite" restart="never" nodeType="tmRoot"/>
-      </p:par>
-    </p:tnLst>
-  </p:timing>
   <p:txStyles>
     <p:titleStyle>
       <a:lvl1pPr algn="l" rtl="0" eaLnBrk="1" fontAlgn="base" hangingPunct="1">
@@ -7125,7 +7118,7 @@
           </p:cNvGraphicFramePr>
           <p:nvPr>
             <p:custDataLst>
-              <p:tags r:id="rId2"/>
+              <p:tags r:id="rId1"/>
             </p:custDataLst>
             <p:extLst>
               <p:ext uri="{D42A27DB-BD31-4B8C-83A1-F6EECF244321}">
@@ -7142,12 +7135,12 @@
           <a:graphicData uri="http://schemas.openxmlformats.org/presentationml/2006/ole">
             <mc:AlternateContent xmlns:mc="http://schemas.openxmlformats.org/markup-compatibility/2006">
               <mc:Choice xmlns:v="urn:schemas-microsoft-com:vml" Requires="v">
-                <p:oleObj spid="_x0000_s4102" name="think-cell Folie" r:id="rId5" imgW="473" imgH="473" progId="TCLayout.ActiveDocument.1">
+                <p:oleObj name="think-cell Folie" r:id="rId4" imgW="473" imgH="473" progId="TCLayout.ActiveDocument.1">
                   <p:embed/>
                 </p:oleObj>
               </mc:Choice>
               <mc:Fallback>
-                <p:oleObj name="think-cell Folie" r:id="rId5" imgW="473" imgH="473" progId="TCLayout.ActiveDocument.1">
+                <p:oleObj name="think-cell Folie" r:id="rId4" imgW="473" imgH="473" progId="TCLayout.ActiveDocument.1">
                   <p:embed/>
                   <p:pic>
                     <p:nvPicPr>
@@ -7156,7 +7149,7 @@
                       <p:nvPr/>
                     </p:nvPicPr>
                     <p:blipFill>
-                      <a:blip r:embed="rId6"/>
+                      <a:blip r:embed="rId5"/>
                       <a:stretch>
                         <a:fillRect/>
                       </a:stretch>
@@ -7183,7 +7176,7 @@
           <p:cNvSpPr/>
           <p:nvPr>
             <p:custDataLst>
-              <p:tags r:id="rId3"/>
+              <p:tags r:id="rId2"/>
             </p:custDataLst>
           </p:nvPr>
         </p:nvSpPr>
@@ -7249,18 +7242,13 @@
           <a:lstStyle/>
           <a:p>
             <a:r>
-              <a:rPr lang="de-DE" dirty="0" smtClean="0">
+              <a:rPr lang="de-DE" dirty="0">
                 <a:solidFill>
                   <a:srgbClr val="00549F"/>
                 </a:solidFill>
               </a:rPr>
               <a:t>Abbildungen Abschlussarbeiten</a:t>
             </a:r>
-            <a:endParaRPr lang="de-DE" dirty="0">
-              <a:solidFill>
-                <a:srgbClr val="00549F"/>
-              </a:solidFill>
-            </a:endParaRPr>
           </a:p>
         </p:txBody>
       </p:sp>
@@ -7286,33 +7274,21 @@
           </a:bodyPr>
           <a:lstStyle/>
           <a:p>
-            <a:endParaRPr lang="en-US" dirty="0" smtClean="0"/>
-          </a:p>
-          <a:p>
             <a:endParaRPr lang="en-US" dirty="0"/>
           </a:p>
           <a:p>
-            <a:endParaRPr lang="en-US" dirty="0" smtClean="0"/>
-          </a:p>
-          <a:p>
             <a:endParaRPr lang="en-US" dirty="0"/>
           </a:p>
           <a:p>
-            <a:r>
-              <a:rPr lang="en-US" dirty="0" smtClean="0"/>
-              <a:t>Chair </a:t>
-            </a:r>
+            <a:endParaRPr lang="en-US" dirty="0"/>
+          </a:p>
+          <a:p>
+            <a:endParaRPr lang="en-US" dirty="0"/>
+          </a:p>
+          <a:p>
             <a:r>
               <a:rPr lang="en-US" dirty="0"/>
-              <a:t>of Production </a:t>
-            </a:r>
-            <a:r>
-              <a:rPr lang="en-US" dirty="0" smtClean="0"/>
-              <a:t>Engineering of </a:t>
-            </a:r>
-            <a:r>
-              <a:rPr lang="en-US" dirty="0"/>
-              <a:t>E-Mobility Components </a:t>
+              <a:t>Chair of Production Engineering of E-Mobility Components </a:t>
             </a:r>
           </a:p>
         </p:txBody>
@@ -7327,21 +7303,6 @@
   <p:clrMapOvr>
     <a:masterClrMapping/>
   </p:clrMapOvr>
-  <mc:AlternateContent xmlns:mc="http://schemas.openxmlformats.org/markup-compatibility/2006" xmlns:p14="http://schemas.microsoft.com/office/powerpoint/2010/main">
-    <mc:Choice Requires="p14">
-      <p:transition p14:dur="0"/>
-    </mc:Choice>
-    <mc:Fallback xmlns="">
-      <p:transition/>
-    </mc:Fallback>
-  </mc:AlternateContent>
-  <p:timing>
-    <p:tnLst>
-      <p:par>
-        <p:cTn id="1" dur="indefinite" restart="never" nodeType="tmRoot"/>
-      </p:par>
-    </p:tnLst>
-  </p:timing>
 </p:sld>
 </file>
 
@@ -7370,7 +7331,7 @@
           </p:cNvGraphicFramePr>
           <p:nvPr>
             <p:custDataLst>
-              <p:tags r:id="rId2"/>
+              <p:tags r:id="rId1"/>
             </p:custDataLst>
             <p:extLst>
               <p:ext uri="{D42A27DB-BD31-4B8C-83A1-F6EECF244321}">
@@ -7387,12 +7348,12 @@
           <a:graphicData uri="http://schemas.openxmlformats.org/presentationml/2006/ole">
             <mc:AlternateContent xmlns:mc="http://schemas.openxmlformats.org/markup-compatibility/2006">
               <mc:Choice xmlns:v="urn:schemas-microsoft-com:vml" Requires="v">
-                <p:oleObj spid="_x0000_s5126" name="think-cell Folie" r:id="rId5" imgW="473" imgH="473" progId="TCLayout.ActiveDocument.1">
+                <p:oleObj name="think-cell Folie" r:id="rId4" imgW="473" imgH="473" progId="TCLayout.ActiveDocument.1">
                   <p:embed/>
                 </p:oleObj>
               </mc:Choice>
               <mc:Fallback>
-                <p:oleObj name="think-cell Folie" r:id="rId5" imgW="473" imgH="473" progId="TCLayout.ActiveDocument.1">
+                <p:oleObj name="think-cell Folie" r:id="rId4" imgW="473" imgH="473" progId="TCLayout.ActiveDocument.1">
                   <p:embed/>
                   <p:pic>
                     <p:nvPicPr>
@@ -7401,7 +7362,7 @@
                       <p:nvPr/>
                     </p:nvPicPr>
                     <p:blipFill>
-                      <a:blip r:embed="rId6"/>
+                      <a:blip r:embed="rId5"/>
                       <a:stretch>
                         <a:fillRect/>
                       </a:stretch>
@@ -7428,7 +7389,7 @@
           <p:cNvSpPr/>
           <p:nvPr>
             <p:custDataLst>
-              <p:tags r:id="rId3"/>
+              <p:tags r:id="rId2"/>
             </p:custDataLst>
           </p:nvPr>
         </p:nvSpPr>
@@ -7492,7 +7453,7 @@
           <a:lstStyle/>
           <a:p>
             <a:r>
-              <a:rPr lang="de-DE" i="1" dirty="0" smtClean="0">
+              <a:rPr lang="de-DE" i="1" dirty="0">
                 <a:solidFill>
                   <a:schemeClr val="accent2"/>
                 </a:solidFill>
@@ -7549,7 +7510,10 @@
           <a:lstStyle/>
           <a:p>
             <a:pPr algn="ctr"/>
-            <a:endParaRPr lang="de-DE"/>
+            <a:r>
+              <a:rPr lang="de-DE" dirty="0"/>
+              <a:t>000000</a:t>
+            </a:r>
           </a:p>
         </p:txBody>
       </p:sp>
@@ -7595,7 +7559,10 @@
           <a:lstStyle/>
           <a:p>
             <a:pPr algn="ctr"/>
-            <a:endParaRPr lang="de-DE"/>
+            <a:r>
+              <a:rPr lang="de-DE" dirty="0"/>
+              <a:t>00549F</a:t>
+            </a:r>
           </a:p>
         </p:txBody>
       </p:sp>
@@ -7644,7 +7611,10 @@
           <a:lstStyle/>
           <a:p>
             <a:pPr algn="ctr"/>
-            <a:endParaRPr lang="de-DE"/>
+            <a:r>
+              <a:rPr lang="de-DE" dirty="0"/>
+              <a:t>595959</a:t>
+            </a:r>
           </a:p>
         </p:txBody>
       </p:sp>
@@ -7690,7 +7660,10 @@
           <a:lstStyle/>
           <a:p>
             <a:pPr algn="ctr"/>
-            <a:endParaRPr lang="de-DE"/>
+            <a:r>
+              <a:rPr lang="de-DE" dirty="0"/>
+              <a:t>4D99CC</a:t>
+            </a:r>
           </a:p>
         </p:txBody>
       </p:sp>
@@ -7738,7 +7711,10 @@
           <a:lstStyle/>
           <a:p>
             <a:pPr algn="ctr"/>
-            <a:endParaRPr lang="de-DE"/>
+            <a:r>
+              <a:rPr lang="de-DE" dirty="0"/>
+              <a:t>A6A6A6</a:t>
+            </a:r>
           </a:p>
         </p:txBody>
       </p:sp>
@@ -7757,7 +7733,7 @@
             <a:avLst/>
           </a:prstGeom>
           <a:solidFill>
-            <a:schemeClr val="accent3"/>
+            <a:srgbClr val="8EBAE5"/>
           </a:solidFill>
           <a:ln>
             <a:noFill/>
@@ -7784,7 +7760,10 @@
           <a:lstStyle/>
           <a:p>
             <a:pPr algn="ctr"/>
-            <a:endParaRPr lang="de-DE"/>
+            <a:r>
+              <a:rPr lang="de-DE" dirty="0"/>
+              <a:t>8EBAE5</a:t>
+            </a:r>
           </a:p>
         </p:txBody>
       </p:sp>
@@ -7803,9 +7782,7 @@
             <a:avLst/>
           </a:prstGeom>
           <a:solidFill>
-            <a:schemeClr val="bg1">
-              <a:lumMod val="85000"/>
-            </a:schemeClr>
+            <a:srgbClr val="D9D9D9"/>
           </a:solidFill>
           <a:ln>
             <a:noFill/>
@@ -7832,7 +7809,10 @@
           <a:lstStyle/>
           <a:p>
             <a:pPr algn="ctr"/>
-            <a:endParaRPr lang="de-DE"/>
+            <a:r>
+              <a:rPr lang="de-DE" dirty="0"/>
+              <a:t>D9D9D9</a:t>
+            </a:r>
           </a:p>
         </p:txBody>
       </p:sp>
@@ -7881,7 +7861,10 @@
           <a:lstStyle/>
           <a:p>
             <a:pPr algn="ctr"/>
-            <a:endParaRPr lang="de-DE"/>
+            <a:r>
+              <a:rPr lang="de-DE" dirty="0"/>
+              <a:t>D2E3F5</a:t>
+            </a:r>
           </a:p>
         </p:txBody>
       </p:sp>
@@ -7927,7 +7910,10 @@
           <a:lstStyle/>
           <a:p>
             <a:pPr algn="ctr"/>
-            <a:endParaRPr lang="de-DE"/>
+            <a:r>
+              <a:rPr lang="de-DE" dirty="0"/>
+              <a:t>F6A800</a:t>
+            </a:r>
           </a:p>
         </p:txBody>
       </p:sp>
@@ -7973,7 +7959,10 @@
           <a:lstStyle/>
           <a:p>
             <a:pPr algn="ctr"/>
-            <a:endParaRPr lang="de-DE"/>
+            <a:r>
+              <a:rPr lang="de-DE" dirty="0"/>
+              <a:t>CC071E</a:t>
+            </a:r>
           </a:p>
         </p:txBody>
       </p:sp>
@@ -7987,13 +7976,6 @@
   <p:clrMapOvr>
     <a:masterClrMapping/>
   </p:clrMapOvr>
-  <p:timing>
-    <p:tnLst>
-      <p:par>
-        <p:cTn id="1" dur="indefinite" restart="never" nodeType="tmRoot"/>
-      </p:par>
-    </p:tnLst>
-  </p:timing>
 </p:sld>
 </file>
 
@@ -8022,7 +8004,7 @@
           </p:cNvGraphicFramePr>
           <p:nvPr>
             <p:custDataLst>
-              <p:tags r:id="rId2"/>
+              <p:tags r:id="rId1"/>
             </p:custDataLst>
             <p:extLst>
               <p:ext uri="{D42A27DB-BD31-4B8C-83A1-F6EECF244321}">
@@ -8039,12 +8021,12 @@
           <a:graphicData uri="http://schemas.openxmlformats.org/presentationml/2006/ole">
             <mc:AlternateContent xmlns:mc="http://schemas.openxmlformats.org/markup-compatibility/2006">
               <mc:Choice xmlns:v="urn:schemas-microsoft-com:vml" Requires="v">
-                <p:oleObj spid="_x0000_s6146" name="think-cell Folie" r:id="rId5" imgW="473" imgH="473" progId="TCLayout.ActiveDocument.1">
+                <p:oleObj name="think-cell Folie" r:id="rId4" imgW="473" imgH="473" progId="TCLayout.ActiveDocument.1">
                   <p:embed/>
                 </p:oleObj>
               </mc:Choice>
               <mc:Fallback>
-                <p:oleObj name="think-cell Folie" r:id="rId5" imgW="473" imgH="473" progId="TCLayout.ActiveDocument.1">
+                <p:oleObj name="think-cell Folie" r:id="rId4" imgW="473" imgH="473" progId="TCLayout.ActiveDocument.1">
                   <p:embed/>
                   <p:pic>
                     <p:nvPicPr>
@@ -8053,7 +8035,7 @@
                       <p:nvPr/>
                     </p:nvPicPr>
                     <p:blipFill>
-                      <a:blip r:embed="rId6"/>
+                      <a:blip r:embed="rId5"/>
                       <a:stretch>
                         <a:fillRect/>
                       </a:stretch>
@@ -8080,7 +8062,7 @@
           <p:cNvSpPr/>
           <p:nvPr>
             <p:custDataLst>
-              <p:tags r:id="rId3"/>
+              <p:tags r:id="rId2"/>
             </p:custDataLst>
           </p:nvPr>
         </p:nvSpPr>
@@ -8146,7 +8128,7 @@
           <a:lstStyle/>
           <a:p>
             <a:r>
-              <a:rPr lang="de-DE" i="1" dirty="0" smtClean="0">
+              <a:rPr lang="de-DE" i="1" dirty="0">
                 <a:solidFill>
                   <a:schemeClr val="accent2"/>
                 </a:solidFill>
@@ -8171,13 +8153,6 @@
   <p:clrMapOvr>
     <a:masterClrMapping/>
   </p:clrMapOvr>
-  <p:timing>
-    <p:tnLst>
-      <p:par>
-        <p:cTn id="1" dur="indefinite" restart="never" nodeType="tmRoot"/>
-      </p:par>
-    </p:tnLst>
-  </p:timing>
 </p:sld>
 </file>
 
@@ -8206,7 +8181,7 @@
           </p:cNvGraphicFramePr>
           <p:nvPr>
             <p:custDataLst>
-              <p:tags r:id="rId2"/>
+              <p:tags r:id="rId1"/>
             </p:custDataLst>
             <p:extLst>
               <p:ext uri="{D42A27DB-BD31-4B8C-83A1-F6EECF244321}">
@@ -8223,12 +8198,12 @@
           <a:graphicData uri="http://schemas.openxmlformats.org/presentationml/2006/ole">
             <mc:AlternateContent xmlns:mc="http://schemas.openxmlformats.org/markup-compatibility/2006">
               <mc:Choice xmlns:v="urn:schemas-microsoft-com:vml" Requires="v">
-                <p:oleObj spid="_x0000_s7170" name="think-cell Folie" r:id="rId5" imgW="473" imgH="473" progId="TCLayout.ActiveDocument.1">
+                <p:oleObj name="think-cell Folie" r:id="rId4" imgW="473" imgH="473" progId="TCLayout.ActiveDocument.1">
                   <p:embed/>
                 </p:oleObj>
               </mc:Choice>
               <mc:Fallback>
-                <p:oleObj name="think-cell Folie" r:id="rId5" imgW="473" imgH="473" progId="TCLayout.ActiveDocument.1">
+                <p:oleObj name="think-cell Folie" r:id="rId4" imgW="473" imgH="473" progId="TCLayout.ActiveDocument.1">
                   <p:embed/>
                   <p:pic>
                     <p:nvPicPr>
@@ -8237,7 +8212,7 @@
                       <p:nvPr/>
                     </p:nvPicPr>
                     <p:blipFill>
-                      <a:blip r:embed="rId6"/>
+                      <a:blip r:embed="rId5"/>
                       <a:stretch>
                         <a:fillRect/>
                       </a:stretch>
@@ -8264,7 +8239,7 @@
           <p:cNvSpPr/>
           <p:nvPr>
             <p:custDataLst>
-              <p:tags r:id="rId3"/>
+              <p:tags r:id="rId2"/>
             </p:custDataLst>
           </p:nvPr>
         </p:nvSpPr>
@@ -8330,7 +8305,7 @@
           <a:lstStyle/>
           <a:p>
             <a:r>
-              <a:rPr lang="de-DE" i="1" dirty="0" smtClean="0">
+              <a:rPr lang="de-DE" i="1" dirty="0">
                 <a:solidFill>
                   <a:schemeClr val="accent2"/>
                 </a:solidFill>
@@ -8355,13 +8330,6 @@
   <p:clrMapOvr>
     <a:masterClrMapping/>
   </p:clrMapOvr>
-  <p:timing>
-    <p:tnLst>
-      <p:par>
-        <p:cTn id="1" dur="indefinite" restart="never" nodeType="tmRoot"/>
-      </p:par>
-    </p:tnLst>
-  </p:timing>
 </p:sld>
 </file>
 
@@ -8390,7 +8358,7 @@
           </p:cNvGraphicFramePr>
           <p:nvPr>
             <p:custDataLst>
-              <p:tags r:id="rId2"/>
+              <p:tags r:id="rId1"/>
             </p:custDataLst>
             <p:extLst>
               <p:ext uri="{D42A27DB-BD31-4B8C-83A1-F6EECF244321}">
@@ -8407,12 +8375,12 @@
           <a:graphicData uri="http://schemas.openxmlformats.org/presentationml/2006/ole">
             <mc:AlternateContent xmlns:mc="http://schemas.openxmlformats.org/markup-compatibility/2006">
               <mc:Choice xmlns:v="urn:schemas-microsoft-com:vml" Requires="v">
-                <p:oleObj spid="_x0000_s8194" name="think-cell Folie" r:id="rId5" imgW="473" imgH="473" progId="TCLayout.ActiveDocument.1">
+                <p:oleObj name="think-cell Folie" r:id="rId4" imgW="473" imgH="473" progId="TCLayout.ActiveDocument.1">
                   <p:embed/>
                 </p:oleObj>
               </mc:Choice>
               <mc:Fallback>
-                <p:oleObj name="think-cell Folie" r:id="rId5" imgW="473" imgH="473" progId="TCLayout.ActiveDocument.1">
+                <p:oleObj name="think-cell Folie" r:id="rId4" imgW="473" imgH="473" progId="TCLayout.ActiveDocument.1">
                   <p:embed/>
                   <p:pic>
                     <p:nvPicPr>
@@ -8421,7 +8389,7 @@
                       <p:nvPr/>
                     </p:nvPicPr>
                     <p:blipFill>
-                      <a:blip r:embed="rId6"/>
+                      <a:blip r:embed="rId5"/>
                       <a:stretch>
                         <a:fillRect/>
                       </a:stretch>
@@ -8448,7 +8416,7 @@
           <p:cNvSpPr/>
           <p:nvPr>
             <p:custDataLst>
-              <p:tags r:id="rId3"/>
+              <p:tags r:id="rId2"/>
             </p:custDataLst>
           </p:nvPr>
         </p:nvSpPr>
@@ -8514,7 +8482,7 @@
           <a:lstStyle/>
           <a:p>
             <a:r>
-              <a:rPr lang="de-DE" i="1" dirty="0" smtClean="0">
+              <a:rPr lang="de-DE" i="1" dirty="0">
                 <a:solidFill>
                   <a:schemeClr val="accent2"/>
                 </a:solidFill>
@@ -8522,7 +8490,7 @@
               <a:t>Abbildung </a:t>
             </a:r>
             <a:r>
-              <a:rPr lang="de-DE" i="1" dirty="0" err="1" smtClean="0">
+              <a:rPr lang="de-DE" i="1" dirty="0" err="1">
                 <a:solidFill>
                   <a:schemeClr val="accent2"/>
                 </a:solidFill>
@@ -8547,13 +8515,6 @@
   <p:clrMapOvr>
     <a:masterClrMapping/>
   </p:clrMapOvr>
-  <p:timing>
-    <p:tnLst>
-      <p:par>
-        <p:cTn id="1" dur="indefinite" restart="never" nodeType="tmRoot"/>
-      </p:par>
-    </p:tnLst>
-  </p:timing>
 </p:sld>
 </file>
 
@@ -9219,4 +9180,299 @@
     </a:ext>
   </a:extLst>
 </a:theme>
+</file>
+
+<file path=ppt/theme/theme3.xml><?xml version="1.0" encoding="utf-8"?>
+<a:theme xmlns:a="http://schemas.openxmlformats.org/drawingml/2006/main" name="Office Theme">
+  <a:themeElements>
+    <a:clrScheme name="Office">
+      <a:dk1>
+        <a:sysClr val="windowText" lastClr="000000"/>
+      </a:dk1>
+      <a:lt1>
+        <a:sysClr val="window" lastClr="FFFFFF"/>
+      </a:lt1>
+      <a:dk2>
+        <a:srgbClr val="44546A"/>
+      </a:dk2>
+      <a:lt2>
+        <a:srgbClr val="E7E6E6"/>
+      </a:lt2>
+      <a:accent1>
+        <a:srgbClr val="4472C4"/>
+      </a:accent1>
+      <a:accent2>
+        <a:srgbClr val="ED7D31"/>
+      </a:accent2>
+      <a:accent3>
+        <a:srgbClr val="A5A5A5"/>
+      </a:accent3>
+      <a:accent4>
+        <a:srgbClr val="FFC000"/>
+      </a:accent4>
+      <a:accent5>
+        <a:srgbClr val="5B9BD5"/>
+      </a:accent5>
+      <a:accent6>
+        <a:srgbClr val="70AD47"/>
+      </a:accent6>
+      <a:hlink>
+        <a:srgbClr val="0563C1"/>
+      </a:hlink>
+      <a:folHlink>
+        <a:srgbClr val="954F72"/>
+      </a:folHlink>
+    </a:clrScheme>
+    <a:fontScheme name="Office">
+      <a:majorFont>
+        <a:latin typeface="Calibri Light" panose="020F0302020204030204"/>
+        <a:ea typeface=""/>
+        <a:cs typeface=""/>
+        <a:font script="Jpan" typeface="游ゴシック Light"/>
+        <a:font script="Hang" typeface="맑은 고딕"/>
+        <a:font script="Hans" typeface="等线 Light"/>
+        <a:font script="Hant" typeface="新細明體"/>
+        <a:font script="Arab" typeface="Times New Roman"/>
+        <a:font script="Hebr" typeface="Times New Roman"/>
+        <a:font script="Thai" typeface="Angsana New"/>
+        <a:font script="Ethi" typeface="Nyala"/>
+        <a:font script="Beng" typeface="Vrinda"/>
+        <a:font script="Gujr" typeface="Shruti"/>
+        <a:font script="Khmr" typeface="MoolBoran"/>
+        <a:font script="Knda" typeface="Tunga"/>
+        <a:font script="Guru" typeface="Raavi"/>
+        <a:font script="Cans" typeface="Euphemia"/>
+        <a:font script="Cher" typeface="Plantagenet Cherokee"/>
+        <a:font script="Yiii" typeface="Microsoft Yi Baiti"/>
+        <a:font script="Tibt" typeface="Microsoft Himalaya"/>
+        <a:font script="Thaa" typeface="MV Boli"/>
+        <a:font script="Deva" typeface="Mangal"/>
+        <a:font script="Telu" typeface="Gautami"/>
+        <a:font script="Taml" typeface="Latha"/>
+        <a:font script="Syrc" typeface="Estrangelo Edessa"/>
+        <a:font script="Orya" typeface="Kalinga"/>
+        <a:font script="Mlym" typeface="Kartika"/>
+        <a:font script="Laoo" typeface="DokChampa"/>
+        <a:font script="Sinh" typeface="Iskoola Pota"/>
+        <a:font script="Mong" typeface="Mongolian Baiti"/>
+        <a:font script="Viet" typeface="Times New Roman"/>
+        <a:font script="Uigh" typeface="Microsoft Uighur"/>
+        <a:font script="Geor" typeface="Sylfaen"/>
+        <a:font script="Armn" typeface="Arial"/>
+        <a:font script="Bugi" typeface="Leelawadee UI"/>
+        <a:font script="Bopo" typeface="Microsoft JhengHei"/>
+        <a:font script="Java" typeface="Javanese Text"/>
+        <a:font script="Lisu" typeface="Segoe UI"/>
+        <a:font script="Mymr" typeface="Myanmar Text"/>
+        <a:font script="Nkoo" typeface="Ebrima"/>
+        <a:font script="Olck" typeface="Nirmala UI"/>
+        <a:font script="Osma" typeface="Ebrima"/>
+        <a:font script="Phag" typeface="Phagspa"/>
+        <a:font script="Syrn" typeface="Estrangelo Edessa"/>
+        <a:font script="Syrj" typeface="Estrangelo Edessa"/>
+        <a:font script="Syre" typeface="Estrangelo Edessa"/>
+        <a:font script="Sora" typeface="Nirmala UI"/>
+        <a:font script="Tale" typeface="Microsoft Tai Le"/>
+        <a:font script="Talu" typeface="Microsoft New Tai Lue"/>
+        <a:font script="Tfng" typeface="Ebrima"/>
+      </a:majorFont>
+      <a:minorFont>
+        <a:latin typeface="Calibri" panose="020F0502020204030204"/>
+        <a:ea typeface=""/>
+        <a:cs typeface=""/>
+        <a:font script="Jpan" typeface="游ゴシック"/>
+        <a:font script="Hang" typeface="맑은 고딕"/>
+        <a:font script="Hans" typeface="等线"/>
+        <a:font script="Hant" typeface="新細明體"/>
+        <a:font script="Arab" typeface="Arial"/>
+        <a:font script="Hebr" typeface="Arial"/>
+        <a:font script="Thai" typeface="Cordia New"/>
+        <a:font script="Ethi" typeface="Nyala"/>
+        <a:font script="Beng" typeface="Vrinda"/>
+        <a:font script="Gujr" typeface="Shruti"/>
+        <a:font script="Khmr" typeface="DaunPenh"/>
+        <a:font script="Knda" typeface="Tunga"/>
+        <a:font script="Guru" typeface="Raavi"/>
+        <a:font script="Cans" typeface="Euphemia"/>
+        <a:font script="Cher" typeface="Plantagenet Cherokee"/>
+        <a:font script="Yiii" typeface="Microsoft Yi Baiti"/>
+        <a:font script="Tibt" typeface="Microsoft Himalaya"/>
+        <a:font script="Thaa" typeface="MV Boli"/>
+        <a:font script="Deva" typeface="Mangal"/>
+        <a:font script="Telu" typeface="Gautami"/>
+        <a:font script="Taml" typeface="Latha"/>
+        <a:font script="Syrc" typeface="Estrangelo Edessa"/>
+        <a:font script="Orya" typeface="Kalinga"/>
+        <a:font script="Mlym" typeface="Kartika"/>
+        <a:font script="Laoo" typeface="DokChampa"/>
+        <a:font script="Sinh" typeface="Iskoola Pota"/>
+        <a:font script="Mong" typeface="Mongolian Baiti"/>
+        <a:font script="Viet" typeface="Arial"/>
+        <a:font script="Uigh" typeface="Microsoft Uighur"/>
+        <a:font script="Geor" typeface="Sylfaen"/>
+        <a:font script="Armn" typeface="Arial"/>
+        <a:font script="Bugi" typeface="Leelawadee UI"/>
+        <a:font script="Bopo" typeface="Microsoft JhengHei"/>
+        <a:font script="Java" typeface="Javanese Text"/>
+        <a:font script="Lisu" typeface="Segoe UI"/>
+        <a:font script="Mymr" typeface="Myanmar Text"/>
+        <a:font script="Nkoo" typeface="Ebrima"/>
+        <a:font script="Olck" typeface="Nirmala UI"/>
+        <a:font script="Osma" typeface="Ebrima"/>
+        <a:font script="Phag" typeface="Phagspa"/>
+        <a:font script="Syrn" typeface="Estrangelo Edessa"/>
+        <a:font script="Syrj" typeface="Estrangelo Edessa"/>
+        <a:font script="Syre" typeface="Estrangelo Edessa"/>
+        <a:font script="Sora" typeface="Nirmala UI"/>
+        <a:font script="Tale" typeface="Microsoft Tai Le"/>
+        <a:font script="Talu" typeface="Microsoft New Tai Lue"/>
+        <a:font script="Tfng" typeface="Ebrima"/>
+      </a:minorFont>
+    </a:fontScheme>
+    <a:fmtScheme name="Office">
+      <a:fillStyleLst>
+        <a:solidFill>
+          <a:schemeClr val="phClr"/>
+        </a:solidFill>
+        <a:gradFill rotWithShape="1">
+          <a:gsLst>
+            <a:gs pos="0">
+              <a:schemeClr val="phClr">
+                <a:lumMod val="110000"/>
+                <a:satMod val="105000"/>
+                <a:tint val="67000"/>
+              </a:schemeClr>
+            </a:gs>
+            <a:gs pos="50000">
+              <a:schemeClr val="phClr">
+                <a:lumMod val="105000"/>
+                <a:satMod val="103000"/>
+                <a:tint val="73000"/>
+              </a:schemeClr>
+            </a:gs>
+            <a:gs pos="100000">
+              <a:schemeClr val="phClr">
+                <a:lumMod val="105000"/>
+                <a:satMod val="109000"/>
+                <a:tint val="81000"/>
+              </a:schemeClr>
+            </a:gs>
+          </a:gsLst>
+          <a:lin ang="5400000" scaled="0"/>
+        </a:gradFill>
+        <a:gradFill rotWithShape="1">
+          <a:gsLst>
+            <a:gs pos="0">
+              <a:schemeClr val="phClr">
+                <a:satMod val="103000"/>
+                <a:lumMod val="102000"/>
+                <a:tint val="94000"/>
+              </a:schemeClr>
+            </a:gs>
+            <a:gs pos="50000">
+              <a:schemeClr val="phClr">
+                <a:satMod val="110000"/>
+                <a:lumMod val="100000"/>
+                <a:shade val="100000"/>
+              </a:schemeClr>
+            </a:gs>
+            <a:gs pos="100000">
+              <a:schemeClr val="phClr">
+                <a:lumMod val="99000"/>
+                <a:satMod val="120000"/>
+                <a:shade val="78000"/>
+              </a:schemeClr>
+            </a:gs>
+          </a:gsLst>
+          <a:lin ang="5400000" scaled="0"/>
+        </a:gradFill>
+      </a:fillStyleLst>
+      <a:lnStyleLst>
+        <a:ln w="6350" cap="flat" cmpd="sng" algn="ctr">
+          <a:solidFill>
+            <a:schemeClr val="phClr"/>
+          </a:solidFill>
+          <a:prstDash val="solid"/>
+          <a:miter lim="800000"/>
+        </a:ln>
+        <a:ln w="12700" cap="flat" cmpd="sng" algn="ctr">
+          <a:solidFill>
+            <a:schemeClr val="phClr"/>
+          </a:solidFill>
+          <a:prstDash val="solid"/>
+          <a:miter lim="800000"/>
+        </a:ln>
+        <a:ln w="19050" cap="flat" cmpd="sng" algn="ctr">
+          <a:solidFill>
+            <a:schemeClr val="phClr"/>
+          </a:solidFill>
+          <a:prstDash val="solid"/>
+          <a:miter lim="800000"/>
+        </a:ln>
+      </a:lnStyleLst>
+      <a:effectStyleLst>
+        <a:effectStyle>
+          <a:effectLst/>
+        </a:effectStyle>
+        <a:effectStyle>
+          <a:effectLst/>
+        </a:effectStyle>
+        <a:effectStyle>
+          <a:effectLst>
+            <a:outerShdw blurRad="57150" dist="19050" dir="5400000" algn="ctr" rotWithShape="0">
+              <a:srgbClr val="000000">
+                <a:alpha val="63000"/>
+              </a:srgbClr>
+            </a:outerShdw>
+          </a:effectLst>
+        </a:effectStyle>
+      </a:effectStyleLst>
+      <a:bgFillStyleLst>
+        <a:solidFill>
+          <a:schemeClr val="phClr"/>
+        </a:solidFill>
+        <a:solidFill>
+          <a:schemeClr val="phClr">
+            <a:tint val="95000"/>
+            <a:satMod val="170000"/>
+          </a:schemeClr>
+        </a:solidFill>
+        <a:gradFill rotWithShape="1">
+          <a:gsLst>
+            <a:gs pos="0">
+              <a:schemeClr val="phClr">
+                <a:tint val="93000"/>
+                <a:satMod val="150000"/>
+                <a:shade val="98000"/>
+                <a:lumMod val="102000"/>
+              </a:schemeClr>
+            </a:gs>
+            <a:gs pos="50000">
+              <a:schemeClr val="phClr">
+                <a:tint val="98000"/>
+                <a:satMod val="130000"/>
+                <a:shade val="90000"/>
+                <a:lumMod val="103000"/>
+              </a:schemeClr>
+            </a:gs>
+            <a:gs pos="100000">
+              <a:schemeClr val="phClr">
+                <a:shade val="63000"/>
+                <a:satMod val="120000"/>
+              </a:schemeClr>
+            </a:gs>
+          </a:gsLst>
+          <a:lin ang="5400000" scaled="0"/>
+        </a:gradFill>
+      </a:bgFillStyleLst>
+    </a:fmtScheme>
+  </a:themeElements>
+  <a:objectDefaults/>
+  <a:extraClrSchemeLst/>
+  <a:extLst>
+    <a:ext uri="{05A4C25C-085E-4340-85A3-A5531E510DB2}">
+      <thm15:themeFamily xmlns:thm15="http://schemas.microsoft.com/office/thememl/2012/main" name="Office Theme" id="{62F939B6-93AF-4DB8-9C6B-D6C7DFDC589F}" vid="{4A3C46E8-61CC-4603-A589-7422A47A8E4A}"/>
+    </a:ext>
+  </a:extLst>
+</a:theme>
 </file>